--- a/Yu Feng CRC-fungi-Re1 (JY)/S_fig4-Re1 (JY)-Re (YF).pptx
+++ b/Yu Feng CRC-fungi-Re1 (JY)/S_fig4-Re1 (JY)-Re (YF).pptx
@@ -2,7 +2,7 @@
 <file path=ppt/presentation.xml><?xml version="1.0" encoding="utf-8"?>
 <p:presentation xmlns:a="http://schemas.openxmlformats.org/drawingml/2006/main" xmlns:r="http://schemas.openxmlformats.org/officeDocument/2006/relationships" xmlns:p="http://schemas.openxmlformats.org/presentationml/2006/main" saveSubsetFonts="1">
   <p:sldMasterIdLst>
-    <p:sldMasterId id="2147483720" r:id="rId1"/>
+    <p:sldMasterId id="2147483732" r:id="rId1"/>
   </p:sldMasterIdLst>
   <p:notesMasterIdLst>
     <p:notesMasterId r:id="rId3"/>
@@ -10,7 +10,7 @@
   <p:sldIdLst>
     <p:sldId id="256" r:id="rId2"/>
   </p:sldIdLst>
-  <p:sldSz cx="32399288" cy="12599988"/>
+  <p:sldSz cx="25199975" cy="12599988"/>
   <p:notesSz cx="6858000" cy="9144000"/>
   <p:defaultTextStyle>
     <a:defPPr>
@@ -209,7 +209,7 @@
           <a:p>
             <a:fld id="{AA548A79-DF5C-42BC-A964-9ADB8699366B}" type="datetimeFigureOut">
               <a:rPr lang="zh-CN" altLang="en-US" smtClean="0"/>
-              <a:t>2021/10/26</a:t>
+              <a:t>2021/11/2</a:t>
             </a:fld>
             <a:endParaRPr lang="zh-CN" altLang="en-US"/>
           </a:p>
@@ -227,8 +227,8 @@
         </p:nvSpPr>
         <p:spPr>
           <a:xfrm>
-            <a:off x="-538163" y="1143000"/>
-            <a:ext cx="7934326" cy="3086100"/>
+            <a:off x="342900" y="1143000"/>
+            <a:ext cx="6172200" cy="3086100"/>
           </a:xfrm>
           <a:prstGeom prst="rect">
             <a:avLst/>
@@ -506,8 +506,8 @@
         </p:nvSpPr>
         <p:spPr>
           <a:xfrm>
-            <a:off x="-538163" y="1143000"/>
-            <a:ext cx="7934326" cy="3086100"/>
+            <a:off x="342900" y="1143000"/>
+            <a:ext cx="6172200" cy="3086100"/>
           </a:xfrm>
         </p:spPr>
       </p:sp>
@@ -595,8 +595,8 @@
         </p:nvSpPr>
         <p:spPr>
           <a:xfrm>
-            <a:off x="4049911" y="2062083"/>
-            <a:ext cx="24299466" cy="4386662"/>
+            <a:off x="3149997" y="2062083"/>
+            <a:ext cx="18899981" cy="4386662"/>
           </a:xfrm>
         </p:spPr>
         <p:txBody>
@@ -608,7 +608,7 @@
           </a:lstStyle>
           <a:p>
             <a:r>
-              <a:rPr lang="en-US"/>
+              <a:rPr lang="en-US" altLang="zh-CN"/>
               <a:t>Click to edit Master title style</a:t>
             </a:r>
             <a:endParaRPr lang="en-US" dirty="0"/>
@@ -627,8 +627,8 @@
         </p:nvSpPr>
         <p:spPr>
           <a:xfrm>
-            <a:off x="4049911" y="6617911"/>
-            <a:ext cx="24299466" cy="3042080"/>
+            <a:off x="3149997" y="6617911"/>
+            <a:ext cx="18899981" cy="3042080"/>
           </a:xfrm>
         </p:spPr>
         <p:txBody>
@@ -673,7 +673,7 @@
           </a:lstStyle>
           <a:p>
             <a:r>
-              <a:rPr lang="en-US"/>
+              <a:rPr lang="en-US" altLang="zh-CN"/>
               <a:t>Click to edit Master subtitle style</a:t>
             </a:r>
             <a:endParaRPr lang="en-US" dirty="0"/>
@@ -697,7 +697,7 @@
           <a:p>
             <a:fld id="{C21F6666-3EDE-4E8B-BC82-F371B9B084D1}" type="datetimeFigureOut">
               <a:rPr lang="zh-CN" altLang="en-US" smtClean="0"/>
-              <a:t>2021/10/26</a:t>
+              <a:t>2021/11/2</a:t>
             </a:fld>
             <a:endParaRPr lang="zh-CN" altLang="en-US"/>
           </a:p>
@@ -748,7 +748,7 @@
     </p:spTree>
     <p:extLst>
       <p:ext uri="{BB962C8B-B14F-4D97-AF65-F5344CB8AC3E}">
-        <p14:creationId xmlns:p14="http://schemas.microsoft.com/office/powerpoint/2010/main" val="1503245140"/>
+        <p14:creationId xmlns:p14="http://schemas.microsoft.com/office/powerpoint/2010/main" val="3024818768"/>
       </p:ext>
     </p:extLst>
   </p:cSld>
@@ -791,7 +791,7 @@
           <a:lstStyle/>
           <a:p>
             <a:r>
-              <a:rPr lang="en-US"/>
+              <a:rPr lang="en-US" altLang="zh-CN"/>
               <a:t>Click to edit Master title style</a:t>
             </a:r>
             <a:endParaRPr lang="en-US" dirty="0"/>
@@ -815,35 +815,35 @@
           <a:p>
             <a:pPr lvl="0"/>
             <a:r>
-              <a:rPr lang="en-US"/>
-              <a:t>Edit Master text styles</a:t>
+              <a:rPr lang="en-US" altLang="zh-CN"/>
+              <a:t>Click to edit Master text styles</a:t>
             </a:r>
           </a:p>
           <a:p>
             <a:pPr lvl="1"/>
             <a:r>
-              <a:rPr lang="en-US"/>
+              <a:rPr lang="en-US" altLang="zh-CN"/>
               <a:t>Second level</a:t>
             </a:r>
           </a:p>
           <a:p>
             <a:pPr lvl="2"/>
             <a:r>
-              <a:rPr lang="en-US"/>
+              <a:rPr lang="en-US" altLang="zh-CN"/>
               <a:t>Third level</a:t>
             </a:r>
           </a:p>
           <a:p>
             <a:pPr lvl="3"/>
             <a:r>
-              <a:rPr lang="en-US"/>
+              <a:rPr lang="en-US" altLang="zh-CN"/>
               <a:t>Fourth level</a:t>
             </a:r>
           </a:p>
           <a:p>
             <a:pPr lvl="4"/>
             <a:r>
-              <a:rPr lang="en-US"/>
+              <a:rPr lang="en-US" altLang="zh-CN"/>
               <a:t>Fifth level</a:t>
             </a:r>
             <a:endParaRPr lang="en-US" dirty="0"/>
@@ -867,7 +867,7 @@
           <a:p>
             <a:fld id="{C21F6666-3EDE-4E8B-BC82-F371B9B084D1}" type="datetimeFigureOut">
               <a:rPr lang="zh-CN" altLang="en-US" smtClean="0"/>
-              <a:t>2021/10/26</a:t>
+              <a:t>2021/11/2</a:t>
             </a:fld>
             <a:endParaRPr lang="zh-CN" altLang="en-US"/>
           </a:p>
@@ -918,7 +918,7 @@
     </p:spTree>
     <p:extLst>
       <p:ext uri="{BB962C8B-B14F-4D97-AF65-F5344CB8AC3E}">
-        <p14:creationId xmlns:p14="http://schemas.microsoft.com/office/powerpoint/2010/main" val="472876478"/>
+        <p14:creationId xmlns:p14="http://schemas.microsoft.com/office/powerpoint/2010/main" val="1344263648"/>
       </p:ext>
     </p:extLst>
   </p:cSld>
@@ -957,8 +957,8 @@
         </p:nvSpPr>
         <p:spPr>
           <a:xfrm>
-            <a:off x="23185741" y="670833"/>
-            <a:ext cx="6986096" cy="10677907"/>
+            <a:off x="18033732" y="670833"/>
+            <a:ext cx="5433745" cy="10677907"/>
           </a:xfrm>
         </p:spPr>
         <p:txBody>
@@ -966,7 +966,7 @@
           <a:lstStyle/>
           <a:p>
             <a:r>
-              <a:rPr lang="en-US"/>
+              <a:rPr lang="en-US" altLang="zh-CN"/>
               <a:t>Click to edit Master title style</a:t>
             </a:r>
             <a:endParaRPr lang="en-US" dirty="0"/>
@@ -985,8 +985,8 @@
         </p:nvSpPr>
         <p:spPr>
           <a:xfrm>
-            <a:off x="2227451" y="670833"/>
-            <a:ext cx="20553298" cy="10677907"/>
+            <a:off x="1732498" y="670833"/>
+            <a:ext cx="15986234" cy="10677907"/>
           </a:xfrm>
         </p:spPr>
         <p:txBody>
@@ -995,35 +995,35 @@
           <a:p>
             <a:pPr lvl="0"/>
             <a:r>
-              <a:rPr lang="en-US"/>
-              <a:t>Edit Master text styles</a:t>
+              <a:rPr lang="en-US" altLang="zh-CN"/>
+              <a:t>Click to edit Master text styles</a:t>
             </a:r>
           </a:p>
           <a:p>
             <a:pPr lvl="1"/>
             <a:r>
-              <a:rPr lang="en-US"/>
+              <a:rPr lang="en-US" altLang="zh-CN"/>
               <a:t>Second level</a:t>
             </a:r>
           </a:p>
           <a:p>
             <a:pPr lvl="2"/>
             <a:r>
-              <a:rPr lang="en-US"/>
+              <a:rPr lang="en-US" altLang="zh-CN"/>
               <a:t>Third level</a:t>
             </a:r>
           </a:p>
           <a:p>
             <a:pPr lvl="3"/>
             <a:r>
-              <a:rPr lang="en-US"/>
+              <a:rPr lang="en-US" altLang="zh-CN"/>
               <a:t>Fourth level</a:t>
             </a:r>
           </a:p>
           <a:p>
             <a:pPr lvl="4"/>
             <a:r>
-              <a:rPr lang="en-US"/>
+              <a:rPr lang="en-US" altLang="zh-CN"/>
               <a:t>Fifth level</a:t>
             </a:r>
             <a:endParaRPr lang="en-US" dirty="0"/>
@@ -1047,7 +1047,7 @@
           <a:p>
             <a:fld id="{C21F6666-3EDE-4E8B-BC82-F371B9B084D1}" type="datetimeFigureOut">
               <a:rPr lang="zh-CN" altLang="en-US" smtClean="0"/>
-              <a:t>2021/10/26</a:t>
+              <a:t>2021/11/2</a:t>
             </a:fld>
             <a:endParaRPr lang="zh-CN" altLang="en-US"/>
           </a:p>
@@ -1098,7 +1098,7 @@
     </p:spTree>
     <p:extLst>
       <p:ext uri="{BB962C8B-B14F-4D97-AF65-F5344CB8AC3E}">
-        <p14:creationId xmlns:p14="http://schemas.microsoft.com/office/powerpoint/2010/main" val="3838212023"/>
+        <p14:creationId xmlns:p14="http://schemas.microsoft.com/office/powerpoint/2010/main" val="3317560367"/>
       </p:ext>
     </p:extLst>
   </p:cSld>
@@ -1141,7 +1141,7 @@
           <a:lstStyle/>
           <a:p>
             <a:r>
-              <a:rPr lang="en-US"/>
+              <a:rPr lang="en-US" altLang="zh-CN"/>
               <a:t>Click to edit Master title style</a:t>
             </a:r>
             <a:endParaRPr lang="en-US" dirty="0"/>
@@ -1165,35 +1165,35 @@
           <a:p>
             <a:pPr lvl="0"/>
             <a:r>
-              <a:rPr lang="en-US"/>
-              <a:t>Edit Master text styles</a:t>
+              <a:rPr lang="en-US" altLang="zh-CN"/>
+              <a:t>Click to edit Master text styles</a:t>
             </a:r>
           </a:p>
           <a:p>
             <a:pPr lvl="1"/>
             <a:r>
-              <a:rPr lang="en-US"/>
+              <a:rPr lang="en-US" altLang="zh-CN"/>
               <a:t>Second level</a:t>
             </a:r>
           </a:p>
           <a:p>
             <a:pPr lvl="2"/>
             <a:r>
-              <a:rPr lang="en-US"/>
+              <a:rPr lang="en-US" altLang="zh-CN"/>
               <a:t>Third level</a:t>
             </a:r>
           </a:p>
           <a:p>
             <a:pPr lvl="3"/>
             <a:r>
-              <a:rPr lang="en-US"/>
+              <a:rPr lang="en-US" altLang="zh-CN"/>
               <a:t>Fourth level</a:t>
             </a:r>
           </a:p>
           <a:p>
             <a:pPr lvl="4"/>
             <a:r>
-              <a:rPr lang="en-US"/>
+              <a:rPr lang="en-US" altLang="zh-CN"/>
               <a:t>Fifth level</a:t>
             </a:r>
             <a:endParaRPr lang="en-US" dirty="0"/>
@@ -1217,7 +1217,7 @@
           <a:p>
             <a:fld id="{C21F6666-3EDE-4E8B-BC82-F371B9B084D1}" type="datetimeFigureOut">
               <a:rPr lang="zh-CN" altLang="en-US" smtClean="0"/>
-              <a:t>2021/10/26</a:t>
+              <a:t>2021/11/2</a:t>
             </a:fld>
             <a:endParaRPr lang="zh-CN" altLang="en-US"/>
           </a:p>
@@ -1268,7 +1268,7 @@
     </p:spTree>
     <p:extLst>
       <p:ext uri="{BB962C8B-B14F-4D97-AF65-F5344CB8AC3E}">
-        <p14:creationId xmlns:p14="http://schemas.microsoft.com/office/powerpoint/2010/main" val="4062417600"/>
+        <p14:creationId xmlns:p14="http://schemas.microsoft.com/office/powerpoint/2010/main" val="3192560764"/>
       </p:ext>
     </p:extLst>
   </p:cSld>
@@ -1307,8 +1307,8 @@
         </p:nvSpPr>
         <p:spPr>
           <a:xfrm>
-            <a:off x="2210576" y="3141249"/>
-            <a:ext cx="27944386" cy="5241244"/>
+            <a:off x="1719374" y="3141249"/>
+            <a:ext cx="21734978" cy="5241244"/>
           </a:xfrm>
         </p:spPr>
         <p:txBody>
@@ -1320,7 +1320,7 @@
           </a:lstStyle>
           <a:p>
             <a:r>
-              <a:rPr lang="en-US"/>
+              <a:rPr lang="en-US" altLang="zh-CN"/>
               <a:t>Click to edit Master title style</a:t>
             </a:r>
             <a:endParaRPr lang="en-US" dirty="0"/>
@@ -1339,8 +1339,8 @@
         </p:nvSpPr>
         <p:spPr>
           <a:xfrm>
-            <a:off x="2210576" y="8432077"/>
-            <a:ext cx="27944386" cy="2756246"/>
+            <a:off x="1719374" y="8432077"/>
+            <a:ext cx="21734978" cy="2756246"/>
           </a:xfrm>
         </p:spPr>
         <p:txBody>
@@ -1440,8 +1440,8 @@
           <a:p>
             <a:pPr lvl="0"/>
             <a:r>
-              <a:rPr lang="en-US"/>
-              <a:t>Edit Master text styles</a:t>
+              <a:rPr lang="en-US" altLang="zh-CN"/>
+              <a:t>Click to edit Master text styles</a:t>
             </a:r>
           </a:p>
         </p:txBody>
@@ -1463,7 +1463,7 @@
           <a:p>
             <a:fld id="{C21F6666-3EDE-4E8B-BC82-F371B9B084D1}" type="datetimeFigureOut">
               <a:rPr lang="zh-CN" altLang="en-US" smtClean="0"/>
-              <a:t>2021/10/26</a:t>
+              <a:t>2021/11/2</a:t>
             </a:fld>
             <a:endParaRPr lang="zh-CN" altLang="en-US"/>
           </a:p>
@@ -1514,7 +1514,7 @@
     </p:spTree>
     <p:extLst>
       <p:ext uri="{BB962C8B-B14F-4D97-AF65-F5344CB8AC3E}">
-        <p14:creationId xmlns:p14="http://schemas.microsoft.com/office/powerpoint/2010/main" val="1546453256"/>
+        <p14:creationId xmlns:p14="http://schemas.microsoft.com/office/powerpoint/2010/main" val="830268585"/>
       </p:ext>
     </p:extLst>
   </p:cSld>
@@ -1557,7 +1557,7 @@
           <a:lstStyle/>
           <a:p>
             <a:r>
-              <a:rPr lang="en-US"/>
+              <a:rPr lang="en-US" altLang="zh-CN"/>
               <a:t>Click to edit Master title style</a:t>
             </a:r>
             <a:endParaRPr lang="en-US" dirty="0"/>
@@ -1576,8 +1576,8 @@
         </p:nvSpPr>
         <p:spPr>
           <a:xfrm>
-            <a:off x="2227451" y="3354163"/>
-            <a:ext cx="13769697" cy="7994577"/>
+            <a:off x="1732498" y="3354163"/>
+            <a:ext cx="10709989" cy="7994577"/>
           </a:xfrm>
         </p:spPr>
         <p:txBody>
@@ -1586,35 +1586,35 @@
           <a:p>
             <a:pPr lvl="0"/>
             <a:r>
-              <a:rPr lang="en-US"/>
-              <a:t>Edit Master text styles</a:t>
+              <a:rPr lang="en-US" altLang="zh-CN"/>
+              <a:t>Click to edit Master text styles</a:t>
             </a:r>
           </a:p>
           <a:p>
             <a:pPr lvl="1"/>
             <a:r>
-              <a:rPr lang="en-US"/>
+              <a:rPr lang="en-US" altLang="zh-CN"/>
               <a:t>Second level</a:t>
             </a:r>
           </a:p>
           <a:p>
             <a:pPr lvl="2"/>
             <a:r>
-              <a:rPr lang="en-US"/>
+              <a:rPr lang="en-US" altLang="zh-CN"/>
               <a:t>Third level</a:t>
             </a:r>
           </a:p>
           <a:p>
             <a:pPr lvl="3"/>
             <a:r>
-              <a:rPr lang="en-US"/>
+              <a:rPr lang="en-US" altLang="zh-CN"/>
               <a:t>Fourth level</a:t>
             </a:r>
           </a:p>
           <a:p>
             <a:pPr lvl="4"/>
             <a:r>
-              <a:rPr lang="en-US"/>
+              <a:rPr lang="en-US" altLang="zh-CN"/>
               <a:t>Fifth level</a:t>
             </a:r>
             <a:endParaRPr lang="en-US" dirty="0"/>
@@ -1633,8 +1633,8 @@
         </p:nvSpPr>
         <p:spPr>
           <a:xfrm>
-            <a:off x="16402140" y="3354163"/>
-            <a:ext cx="13769697" cy="7994577"/>
+            <a:off x="12757488" y="3354163"/>
+            <a:ext cx="10709989" cy="7994577"/>
           </a:xfrm>
         </p:spPr>
         <p:txBody>
@@ -1643,35 +1643,35 @@
           <a:p>
             <a:pPr lvl="0"/>
             <a:r>
-              <a:rPr lang="en-US"/>
-              <a:t>Edit Master text styles</a:t>
+              <a:rPr lang="en-US" altLang="zh-CN"/>
+              <a:t>Click to edit Master text styles</a:t>
             </a:r>
           </a:p>
           <a:p>
             <a:pPr lvl="1"/>
             <a:r>
-              <a:rPr lang="en-US"/>
+              <a:rPr lang="en-US" altLang="zh-CN"/>
               <a:t>Second level</a:t>
             </a:r>
           </a:p>
           <a:p>
             <a:pPr lvl="2"/>
             <a:r>
-              <a:rPr lang="en-US"/>
+              <a:rPr lang="en-US" altLang="zh-CN"/>
               <a:t>Third level</a:t>
             </a:r>
           </a:p>
           <a:p>
             <a:pPr lvl="3"/>
             <a:r>
-              <a:rPr lang="en-US"/>
+              <a:rPr lang="en-US" altLang="zh-CN"/>
               <a:t>Fourth level</a:t>
             </a:r>
           </a:p>
           <a:p>
             <a:pPr lvl="4"/>
             <a:r>
-              <a:rPr lang="en-US"/>
+              <a:rPr lang="en-US" altLang="zh-CN"/>
               <a:t>Fifth level</a:t>
             </a:r>
             <a:endParaRPr lang="en-US" dirty="0"/>
@@ -1695,7 +1695,7 @@
           <a:p>
             <a:fld id="{C21F6666-3EDE-4E8B-BC82-F371B9B084D1}" type="datetimeFigureOut">
               <a:rPr lang="zh-CN" altLang="en-US" smtClean="0"/>
-              <a:t>2021/10/26</a:t>
+              <a:t>2021/11/2</a:t>
             </a:fld>
             <a:endParaRPr lang="zh-CN" altLang="en-US"/>
           </a:p>
@@ -1746,7 +1746,7 @@
     </p:spTree>
     <p:extLst>
       <p:ext uri="{BB962C8B-B14F-4D97-AF65-F5344CB8AC3E}">
-        <p14:creationId xmlns:p14="http://schemas.microsoft.com/office/powerpoint/2010/main" val="2801815224"/>
+        <p14:creationId xmlns:p14="http://schemas.microsoft.com/office/powerpoint/2010/main" val="3558967865"/>
       </p:ext>
     </p:extLst>
   </p:cSld>
@@ -1785,8 +1785,8 @@
         </p:nvSpPr>
         <p:spPr>
           <a:xfrm>
-            <a:off x="2231671" y="670834"/>
-            <a:ext cx="27944386" cy="2435415"/>
+            <a:off x="1735781" y="670834"/>
+            <a:ext cx="21734978" cy="2435415"/>
           </a:xfrm>
         </p:spPr>
         <p:txBody>
@@ -1794,7 +1794,7 @@
           <a:lstStyle/>
           <a:p>
             <a:r>
-              <a:rPr lang="en-US"/>
+              <a:rPr lang="en-US" altLang="zh-CN"/>
               <a:t>Click to edit Master title style</a:t>
             </a:r>
             <a:endParaRPr lang="en-US" dirty="0"/>
@@ -1813,8 +1813,8 @@
         </p:nvSpPr>
         <p:spPr>
           <a:xfrm>
-            <a:off x="2231672" y="3088748"/>
-            <a:ext cx="13706416" cy="1513748"/>
+            <a:off x="1735781" y="3088748"/>
+            <a:ext cx="10660770" cy="1513748"/>
           </a:xfrm>
         </p:spPr>
         <p:txBody>
@@ -1860,8 +1860,8 @@
           <a:p>
             <a:pPr lvl="0"/>
             <a:r>
-              <a:rPr lang="en-US"/>
-              <a:t>Edit Master text styles</a:t>
+              <a:rPr lang="en-US" altLang="zh-CN"/>
+              <a:t>Click to edit Master text styles</a:t>
             </a:r>
           </a:p>
         </p:txBody>
@@ -1878,8 +1878,8 @@
         </p:nvSpPr>
         <p:spPr>
           <a:xfrm>
-            <a:off x="2231672" y="4602496"/>
-            <a:ext cx="13706416" cy="6769578"/>
+            <a:off x="1735781" y="4602496"/>
+            <a:ext cx="10660770" cy="6769578"/>
           </a:xfrm>
         </p:spPr>
         <p:txBody>
@@ -1888,35 +1888,35 @@
           <a:p>
             <a:pPr lvl="0"/>
             <a:r>
-              <a:rPr lang="en-US"/>
-              <a:t>Edit Master text styles</a:t>
+              <a:rPr lang="en-US" altLang="zh-CN"/>
+              <a:t>Click to edit Master text styles</a:t>
             </a:r>
           </a:p>
           <a:p>
             <a:pPr lvl="1"/>
             <a:r>
-              <a:rPr lang="en-US"/>
+              <a:rPr lang="en-US" altLang="zh-CN"/>
               <a:t>Second level</a:t>
             </a:r>
           </a:p>
           <a:p>
             <a:pPr lvl="2"/>
             <a:r>
-              <a:rPr lang="en-US"/>
+              <a:rPr lang="en-US" altLang="zh-CN"/>
               <a:t>Third level</a:t>
             </a:r>
           </a:p>
           <a:p>
             <a:pPr lvl="3"/>
             <a:r>
-              <a:rPr lang="en-US"/>
+              <a:rPr lang="en-US" altLang="zh-CN"/>
               <a:t>Fourth level</a:t>
             </a:r>
           </a:p>
           <a:p>
             <a:pPr lvl="4"/>
             <a:r>
-              <a:rPr lang="en-US"/>
+              <a:rPr lang="en-US" altLang="zh-CN"/>
               <a:t>Fifth level</a:t>
             </a:r>
             <a:endParaRPr lang="en-US" dirty="0"/>
@@ -1935,8 +1935,8 @@
         </p:nvSpPr>
         <p:spPr>
           <a:xfrm>
-            <a:off x="16402140" y="3088748"/>
-            <a:ext cx="13773917" cy="1513748"/>
+            <a:off x="12757487" y="3088748"/>
+            <a:ext cx="10713272" cy="1513748"/>
           </a:xfrm>
         </p:spPr>
         <p:txBody>
@@ -1982,8 +1982,8 @@
           <a:p>
             <a:pPr lvl="0"/>
             <a:r>
-              <a:rPr lang="en-US"/>
-              <a:t>Edit Master text styles</a:t>
+              <a:rPr lang="en-US" altLang="zh-CN"/>
+              <a:t>Click to edit Master text styles</a:t>
             </a:r>
           </a:p>
         </p:txBody>
@@ -2000,8 +2000,8 @@
         </p:nvSpPr>
         <p:spPr>
           <a:xfrm>
-            <a:off x="16402140" y="4602496"/>
-            <a:ext cx="13773917" cy="6769578"/>
+            <a:off x="12757487" y="4602496"/>
+            <a:ext cx="10713272" cy="6769578"/>
           </a:xfrm>
         </p:spPr>
         <p:txBody>
@@ -2010,35 +2010,35 @@
           <a:p>
             <a:pPr lvl="0"/>
             <a:r>
-              <a:rPr lang="en-US"/>
-              <a:t>Edit Master text styles</a:t>
+              <a:rPr lang="en-US" altLang="zh-CN"/>
+              <a:t>Click to edit Master text styles</a:t>
             </a:r>
           </a:p>
           <a:p>
             <a:pPr lvl="1"/>
             <a:r>
-              <a:rPr lang="en-US"/>
+              <a:rPr lang="en-US" altLang="zh-CN"/>
               <a:t>Second level</a:t>
             </a:r>
           </a:p>
           <a:p>
             <a:pPr lvl="2"/>
             <a:r>
-              <a:rPr lang="en-US"/>
+              <a:rPr lang="en-US" altLang="zh-CN"/>
               <a:t>Third level</a:t>
             </a:r>
           </a:p>
           <a:p>
             <a:pPr lvl="3"/>
             <a:r>
-              <a:rPr lang="en-US"/>
+              <a:rPr lang="en-US" altLang="zh-CN"/>
               <a:t>Fourth level</a:t>
             </a:r>
           </a:p>
           <a:p>
             <a:pPr lvl="4"/>
             <a:r>
-              <a:rPr lang="en-US"/>
+              <a:rPr lang="en-US" altLang="zh-CN"/>
               <a:t>Fifth level</a:t>
             </a:r>
             <a:endParaRPr lang="en-US" dirty="0"/>
@@ -2062,7 +2062,7 @@
           <a:p>
             <a:fld id="{C21F6666-3EDE-4E8B-BC82-F371B9B084D1}" type="datetimeFigureOut">
               <a:rPr lang="zh-CN" altLang="en-US" smtClean="0"/>
-              <a:t>2021/10/26</a:t>
+              <a:t>2021/11/2</a:t>
             </a:fld>
             <a:endParaRPr lang="zh-CN" altLang="en-US"/>
           </a:p>
@@ -2113,7 +2113,7 @@
     </p:spTree>
     <p:extLst>
       <p:ext uri="{BB962C8B-B14F-4D97-AF65-F5344CB8AC3E}">
-        <p14:creationId xmlns:p14="http://schemas.microsoft.com/office/powerpoint/2010/main" val="3885126781"/>
+        <p14:creationId xmlns:p14="http://schemas.microsoft.com/office/powerpoint/2010/main" val="802669155"/>
       </p:ext>
     </p:extLst>
   </p:cSld>
@@ -2156,7 +2156,7 @@
           <a:lstStyle/>
           <a:p>
             <a:r>
-              <a:rPr lang="en-US"/>
+              <a:rPr lang="en-US" altLang="zh-CN"/>
               <a:t>Click to edit Master title style</a:t>
             </a:r>
             <a:endParaRPr lang="en-US" dirty="0"/>
@@ -2180,7 +2180,7 @@
           <a:p>
             <a:fld id="{C21F6666-3EDE-4E8B-BC82-F371B9B084D1}" type="datetimeFigureOut">
               <a:rPr lang="zh-CN" altLang="en-US" smtClean="0"/>
-              <a:t>2021/10/26</a:t>
+              <a:t>2021/11/2</a:t>
             </a:fld>
             <a:endParaRPr lang="zh-CN" altLang="en-US"/>
           </a:p>
@@ -2231,7 +2231,7 @@
     </p:spTree>
     <p:extLst>
       <p:ext uri="{BB962C8B-B14F-4D97-AF65-F5344CB8AC3E}">
-        <p14:creationId xmlns:p14="http://schemas.microsoft.com/office/powerpoint/2010/main" val="1744577124"/>
+        <p14:creationId xmlns:p14="http://schemas.microsoft.com/office/powerpoint/2010/main" val="1813994154"/>
       </p:ext>
     </p:extLst>
   </p:cSld>
@@ -2275,7 +2275,7 @@
           <a:p>
             <a:fld id="{C21F6666-3EDE-4E8B-BC82-F371B9B084D1}" type="datetimeFigureOut">
               <a:rPr lang="zh-CN" altLang="en-US" smtClean="0"/>
-              <a:t>2021/10/26</a:t>
+              <a:t>2021/11/2</a:t>
             </a:fld>
             <a:endParaRPr lang="zh-CN" altLang="en-US"/>
           </a:p>
@@ -2326,7 +2326,7 @@
     </p:spTree>
     <p:extLst>
       <p:ext uri="{BB962C8B-B14F-4D97-AF65-F5344CB8AC3E}">
-        <p14:creationId xmlns:p14="http://schemas.microsoft.com/office/powerpoint/2010/main" val="3878159571"/>
+        <p14:creationId xmlns:p14="http://schemas.microsoft.com/office/powerpoint/2010/main" val="4120858612"/>
       </p:ext>
     </p:extLst>
   </p:cSld>
@@ -2365,8 +2365,8 @@
         </p:nvSpPr>
         <p:spPr>
           <a:xfrm>
-            <a:off x="2231672" y="839999"/>
-            <a:ext cx="10449613" cy="2939997"/>
+            <a:off x="1735782" y="839999"/>
+            <a:ext cx="8127647" cy="2939997"/>
           </a:xfrm>
         </p:spPr>
         <p:txBody>
@@ -2378,7 +2378,7 @@
           </a:lstStyle>
           <a:p>
             <a:r>
-              <a:rPr lang="en-US"/>
+              <a:rPr lang="en-US" altLang="zh-CN"/>
               <a:t>Click to edit Master title style</a:t>
             </a:r>
             <a:endParaRPr lang="en-US" dirty="0"/>
@@ -2397,8 +2397,8 @@
         </p:nvSpPr>
         <p:spPr>
           <a:xfrm>
-            <a:off x="13773917" y="1814166"/>
-            <a:ext cx="16402140" cy="8954158"/>
+            <a:off x="10713272" y="1814166"/>
+            <a:ext cx="12757487" cy="8954158"/>
           </a:xfrm>
         </p:spPr>
         <p:txBody>
@@ -2435,35 +2435,35 @@
           <a:p>
             <a:pPr lvl="0"/>
             <a:r>
-              <a:rPr lang="en-US"/>
-              <a:t>Edit Master text styles</a:t>
+              <a:rPr lang="en-US" altLang="zh-CN"/>
+              <a:t>Click to edit Master text styles</a:t>
             </a:r>
           </a:p>
           <a:p>
             <a:pPr lvl="1"/>
             <a:r>
-              <a:rPr lang="en-US"/>
+              <a:rPr lang="en-US" altLang="zh-CN"/>
               <a:t>Second level</a:t>
             </a:r>
           </a:p>
           <a:p>
             <a:pPr lvl="2"/>
             <a:r>
-              <a:rPr lang="en-US"/>
+              <a:rPr lang="en-US" altLang="zh-CN"/>
               <a:t>Third level</a:t>
             </a:r>
           </a:p>
           <a:p>
             <a:pPr lvl="3"/>
             <a:r>
-              <a:rPr lang="en-US"/>
+              <a:rPr lang="en-US" altLang="zh-CN"/>
               <a:t>Fourth level</a:t>
             </a:r>
           </a:p>
           <a:p>
             <a:pPr lvl="4"/>
             <a:r>
-              <a:rPr lang="en-US"/>
+              <a:rPr lang="en-US" altLang="zh-CN"/>
               <a:t>Fifth level</a:t>
             </a:r>
             <a:endParaRPr lang="en-US" dirty="0"/>
@@ -2482,8 +2482,8 @@
         </p:nvSpPr>
         <p:spPr>
           <a:xfrm>
-            <a:off x="2231672" y="3779996"/>
-            <a:ext cx="10449613" cy="7002911"/>
+            <a:off x="1735782" y="3779996"/>
+            <a:ext cx="8127647" cy="7002911"/>
           </a:xfrm>
         </p:spPr>
         <p:txBody>
@@ -2529,8 +2529,8 @@
           <a:p>
             <a:pPr lvl="0"/>
             <a:r>
-              <a:rPr lang="en-US"/>
-              <a:t>Edit Master text styles</a:t>
+              <a:rPr lang="en-US" altLang="zh-CN"/>
+              <a:t>Click to edit Master text styles</a:t>
             </a:r>
           </a:p>
         </p:txBody>
@@ -2552,7 +2552,7 @@
           <a:p>
             <a:fld id="{C21F6666-3EDE-4E8B-BC82-F371B9B084D1}" type="datetimeFigureOut">
               <a:rPr lang="zh-CN" altLang="en-US" smtClean="0"/>
-              <a:t>2021/10/26</a:t>
+              <a:t>2021/11/2</a:t>
             </a:fld>
             <a:endParaRPr lang="zh-CN" altLang="en-US"/>
           </a:p>
@@ -2603,7 +2603,7 @@
     </p:spTree>
     <p:extLst>
       <p:ext uri="{BB962C8B-B14F-4D97-AF65-F5344CB8AC3E}">
-        <p14:creationId xmlns:p14="http://schemas.microsoft.com/office/powerpoint/2010/main" val="1436076469"/>
+        <p14:creationId xmlns:p14="http://schemas.microsoft.com/office/powerpoint/2010/main" val="3433723220"/>
       </p:ext>
     </p:extLst>
   </p:cSld>
@@ -2642,8 +2642,8 @@
         </p:nvSpPr>
         <p:spPr>
           <a:xfrm>
-            <a:off x="2231672" y="839999"/>
-            <a:ext cx="10449613" cy="2939997"/>
+            <a:off x="1735782" y="839999"/>
+            <a:ext cx="8127647" cy="2939997"/>
           </a:xfrm>
         </p:spPr>
         <p:txBody>
@@ -2655,7 +2655,7 @@
           </a:lstStyle>
           <a:p>
             <a:r>
-              <a:rPr lang="en-US"/>
+              <a:rPr lang="en-US" altLang="zh-CN"/>
               <a:t>Click to edit Master title style</a:t>
             </a:r>
             <a:endParaRPr lang="en-US" dirty="0"/>
@@ -2674,8 +2674,8 @@
         </p:nvSpPr>
         <p:spPr>
           <a:xfrm>
-            <a:off x="13773917" y="1814166"/>
-            <a:ext cx="16402140" cy="8954158"/>
+            <a:off x="10713272" y="1814166"/>
+            <a:ext cx="12757487" cy="8954158"/>
           </a:xfrm>
         </p:spPr>
         <p:txBody>
@@ -2720,7 +2720,7 @@
           </a:lstStyle>
           <a:p>
             <a:r>
-              <a:rPr lang="en-US"/>
+              <a:rPr lang="en-US" altLang="zh-CN"/>
               <a:t>Click icon to add picture</a:t>
             </a:r>
             <a:endParaRPr lang="en-US" dirty="0"/>
@@ -2739,8 +2739,8 @@
         </p:nvSpPr>
         <p:spPr>
           <a:xfrm>
-            <a:off x="2231672" y="3779996"/>
-            <a:ext cx="10449613" cy="7002911"/>
+            <a:off x="1735782" y="3779996"/>
+            <a:ext cx="8127647" cy="7002911"/>
           </a:xfrm>
         </p:spPr>
         <p:txBody>
@@ -2786,8 +2786,8 @@
           <a:p>
             <a:pPr lvl="0"/>
             <a:r>
-              <a:rPr lang="en-US"/>
-              <a:t>Edit Master text styles</a:t>
+              <a:rPr lang="en-US" altLang="zh-CN"/>
+              <a:t>Click to edit Master text styles</a:t>
             </a:r>
           </a:p>
         </p:txBody>
@@ -2809,7 +2809,7 @@
           <a:p>
             <a:fld id="{C21F6666-3EDE-4E8B-BC82-F371B9B084D1}" type="datetimeFigureOut">
               <a:rPr lang="zh-CN" altLang="en-US" smtClean="0"/>
-              <a:t>2021/10/26</a:t>
+              <a:t>2021/11/2</a:t>
             </a:fld>
             <a:endParaRPr lang="zh-CN" altLang="en-US"/>
           </a:p>
@@ -2860,7 +2860,7 @@
     </p:spTree>
     <p:extLst>
       <p:ext uri="{BB962C8B-B14F-4D97-AF65-F5344CB8AC3E}">
-        <p14:creationId xmlns:p14="http://schemas.microsoft.com/office/powerpoint/2010/main" val="355152198"/>
+        <p14:creationId xmlns:p14="http://schemas.microsoft.com/office/powerpoint/2010/main" val="1338587057"/>
       </p:ext>
     </p:extLst>
   </p:cSld>
@@ -2904,8 +2904,8 @@
         </p:nvSpPr>
         <p:spPr>
           <a:xfrm>
-            <a:off x="2227451" y="670834"/>
-            <a:ext cx="27944386" cy="2435415"/>
+            <a:off x="1732499" y="670834"/>
+            <a:ext cx="21734978" cy="2435415"/>
           </a:xfrm>
           <a:prstGeom prst="rect">
             <a:avLst/>
@@ -2918,7 +2918,7 @@
           <a:lstStyle/>
           <a:p>
             <a:r>
-              <a:rPr lang="en-US"/>
+              <a:rPr lang="en-US" altLang="zh-CN"/>
               <a:t>Click to edit Master title style</a:t>
             </a:r>
             <a:endParaRPr lang="en-US" dirty="0"/>
@@ -2937,8 +2937,8 @@
         </p:nvSpPr>
         <p:spPr>
           <a:xfrm>
-            <a:off x="2227451" y="3354163"/>
-            <a:ext cx="27944386" cy="7994577"/>
+            <a:off x="1732499" y="3354163"/>
+            <a:ext cx="21734978" cy="7994577"/>
           </a:xfrm>
           <a:prstGeom prst="rect">
             <a:avLst/>
@@ -2952,35 +2952,35 @@
           <a:p>
             <a:pPr lvl="0"/>
             <a:r>
-              <a:rPr lang="en-US"/>
-              <a:t>Edit Master text styles</a:t>
+              <a:rPr lang="en-US" altLang="zh-CN"/>
+              <a:t>Click to edit Master text styles</a:t>
             </a:r>
           </a:p>
           <a:p>
             <a:pPr lvl="1"/>
             <a:r>
-              <a:rPr lang="en-US"/>
+              <a:rPr lang="en-US" altLang="zh-CN"/>
               <a:t>Second level</a:t>
             </a:r>
           </a:p>
           <a:p>
             <a:pPr lvl="2"/>
             <a:r>
-              <a:rPr lang="en-US"/>
+              <a:rPr lang="en-US" altLang="zh-CN"/>
               <a:t>Third level</a:t>
             </a:r>
           </a:p>
           <a:p>
             <a:pPr lvl="3"/>
             <a:r>
-              <a:rPr lang="en-US"/>
+              <a:rPr lang="en-US" altLang="zh-CN"/>
               <a:t>Fourth level</a:t>
             </a:r>
           </a:p>
           <a:p>
             <a:pPr lvl="4"/>
             <a:r>
-              <a:rPr lang="en-US"/>
+              <a:rPr lang="en-US" altLang="zh-CN"/>
               <a:t>Fifth level</a:t>
             </a:r>
             <a:endParaRPr lang="en-US" dirty="0"/>
@@ -2999,8 +2999,8 @@
         </p:nvSpPr>
         <p:spPr>
           <a:xfrm>
-            <a:off x="2227451" y="11678323"/>
-            <a:ext cx="7289840" cy="670833"/>
+            <a:off x="1732498" y="11678323"/>
+            <a:ext cx="5669994" cy="670833"/>
           </a:xfrm>
           <a:prstGeom prst="rect">
             <a:avLst/>
@@ -3022,7 +3022,7 @@
           <a:p>
             <a:fld id="{C21F6666-3EDE-4E8B-BC82-F371B9B084D1}" type="datetimeFigureOut">
               <a:rPr lang="zh-CN" altLang="en-US" smtClean="0"/>
-              <a:t>2021/10/26</a:t>
+              <a:t>2021/11/2</a:t>
             </a:fld>
             <a:endParaRPr lang="zh-CN" altLang="en-US"/>
           </a:p>
@@ -3040,8 +3040,8 @@
         </p:nvSpPr>
         <p:spPr>
           <a:xfrm>
-            <a:off x="10732264" y="11678323"/>
-            <a:ext cx="10934760" cy="670833"/>
+            <a:off x="8347492" y="11678323"/>
+            <a:ext cx="8504992" cy="670833"/>
           </a:xfrm>
           <a:prstGeom prst="rect">
             <a:avLst/>
@@ -3077,8 +3077,8 @@
         </p:nvSpPr>
         <p:spPr>
           <a:xfrm>
-            <a:off x="22881997" y="11678323"/>
-            <a:ext cx="7289840" cy="670833"/>
+            <a:off x="17797483" y="11678323"/>
+            <a:ext cx="5669994" cy="670833"/>
           </a:xfrm>
           <a:prstGeom prst="rect">
             <a:avLst/>
@@ -3109,23 +3109,23 @@
     </p:spTree>
     <p:extLst>
       <p:ext uri="{BB962C8B-B14F-4D97-AF65-F5344CB8AC3E}">
-        <p14:creationId xmlns:p14="http://schemas.microsoft.com/office/powerpoint/2010/main" val="3671201112"/>
+        <p14:creationId xmlns:p14="http://schemas.microsoft.com/office/powerpoint/2010/main" val="3734352624"/>
       </p:ext>
     </p:extLst>
   </p:cSld>
   <p:clrMap bg1="lt1" tx1="dk1" bg2="lt2" tx2="dk2" accent1="accent1" accent2="accent2" accent3="accent3" accent4="accent4" accent5="accent5" accent6="accent6" hlink="hlink" folHlink="folHlink"/>
   <p:sldLayoutIdLst>
-    <p:sldLayoutId id="2147483721" r:id="rId1"/>
-    <p:sldLayoutId id="2147483722" r:id="rId2"/>
-    <p:sldLayoutId id="2147483723" r:id="rId3"/>
-    <p:sldLayoutId id="2147483724" r:id="rId4"/>
-    <p:sldLayoutId id="2147483725" r:id="rId5"/>
-    <p:sldLayoutId id="2147483726" r:id="rId6"/>
-    <p:sldLayoutId id="2147483727" r:id="rId7"/>
-    <p:sldLayoutId id="2147483728" r:id="rId8"/>
-    <p:sldLayoutId id="2147483729" r:id="rId9"/>
-    <p:sldLayoutId id="2147483730" r:id="rId10"/>
-    <p:sldLayoutId id="2147483731" r:id="rId11"/>
+    <p:sldLayoutId id="2147483733" r:id="rId1"/>
+    <p:sldLayoutId id="2147483734" r:id="rId2"/>
+    <p:sldLayoutId id="2147483735" r:id="rId3"/>
+    <p:sldLayoutId id="2147483736" r:id="rId4"/>
+    <p:sldLayoutId id="2147483737" r:id="rId5"/>
+    <p:sldLayoutId id="2147483738" r:id="rId6"/>
+    <p:sldLayoutId id="2147483739" r:id="rId7"/>
+    <p:sldLayoutId id="2147483740" r:id="rId8"/>
+    <p:sldLayoutId id="2147483741" r:id="rId9"/>
+    <p:sldLayoutId id="2147483742" r:id="rId10"/>
+    <p:sldLayoutId id="2147483743" r:id="rId11"/>
   </p:sldLayoutIdLst>
   <p:txStyles>
     <p:titleStyle>
@@ -3441,10 +3441,10 @@
         </p:nvGrpSpPr>
         <p:grpSpPr>
           <a:xfrm>
-            <a:off x="428420" y="512153"/>
-            <a:ext cx="11190476" cy="8276246"/>
-            <a:chOff x="1150374" y="1759207"/>
-            <a:chExt cx="11190476" cy="8276246"/>
+            <a:off x="0" y="0"/>
+            <a:ext cx="6875020" cy="8276245"/>
+            <a:chOff x="3308102" y="1759207"/>
+            <a:chExt cx="6875020" cy="8276246"/>
           </a:xfrm>
         </p:grpSpPr>
         <p:pic>
@@ -3462,15 +3462,20 @@
             <p:nvPr/>
           </p:nvPicPr>
           <p:blipFill>
-            <a:blip r:embed="rId3"/>
-            <a:stretch>
-              <a:fillRect/>
-            </a:stretch>
+            <a:blip r:embed="rId3">
+              <a:extLst>
+                <a:ext uri="{28A0092B-C50C-407E-A947-70E740481C1C}">
+                  <a14:useLocalDpi xmlns:a14="http://schemas.microsoft.com/office/drawing/2010/main" val="0"/>
+                </a:ext>
+              </a:extLst>
+            </a:blip>
+            <a:srcRect/>
+            <a:stretch/>
           </p:blipFill>
           <p:spPr>
             <a:xfrm>
-              <a:off x="1150374" y="2197358"/>
-              <a:ext cx="11190476" cy="7838095"/>
+              <a:off x="3308102" y="2197358"/>
+              <a:ext cx="6875020" cy="7838095"/>
             </a:xfrm>
             <a:prstGeom prst="rect">
               <a:avLst/>
@@ -3491,8 +3496,8 @@
           </p:nvSpPr>
           <p:spPr>
             <a:xfrm>
-              <a:off x="4319958" y="1759207"/>
-              <a:ext cx="2745688" cy="584775"/>
+              <a:off x="5372768" y="1759207"/>
+              <a:ext cx="2745687" cy="584775"/>
             </a:xfrm>
             <a:prstGeom prst="rect">
               <a:avLst/>
@@ -3537,10 +3542,10 @@
         </p:nvGrpSpPr>
         <p:grpSpPr>
           <a:xfrm>
-            <a:off x="20580313" y="512153"/>
-            <a:ext cx="11676190" cy="8172678"/>
-            <a:chOff x="24307660" y="1755887"/>
-            <a:chExt cx="11676190" cy="8172678"/>
+            <a:off x="16361750" y="-43717"/>
+            <a:ext cx="8773967" cy="7991209"/>
+            <a:chOff x="25786611" y="1480440"/>
+            <a:chExt cx="8773967" cy="7991209"/>
           </a:xfrm>
         </p:grpSpPr>
         <p:pic>
@@ -3558,15 +3563,20 @@
             <p:nvPr/>
           </p:nvPicPr>
           <p:blipFill>
-            <a:blip r:embed="rId4"/>
-            <a:stretch>
-              <a:fillRect/>
-            </a:stretch>
+            <a:blip r:embed="rId4">
+              <a:extLst>
+                <a:ext uri="{28A0092B-C50C-407E-A947-70E740481C1C}">
+                  <a14:useLocalDpi xmlns:a14="http://schemas.microsoft.com/office/drawing/2010/main" val="0"/>
+                </a:ext>
+              </a:extLst>
+            </a:blip>
+            <a:srcRect/>
+            <a:stretch/>
           </p:blipFill>
           <p:spPr>
             <a:xfrm>
-              <a:off x="24307660" y="2671422"/>
-              <a:ext cx="11676190" cy="7257143"/>
+              <a:off x="25786611" y="2214506"/>
+              <a:ext cx="8773967" cy="7257143"/>
             </a:xfrm>
             <a:prstGeom prst="rect">
               <a:avLst/>
@@ -3587,7 +3597,7 @@
           </p:nvSpPr>
           <p:spPr>
             <a:xfrm>
-              <a:off x="28399251" y="1755887"/>
+              <a:off x="29151240" y="1480440"/>
               <a:ext cx="1915333" cy="584775"/>
             </a:xfrm>
             <a:prstGeom prst="rect">
@@ -3633,8 +3643,8 @@
         </p:nvSpPr>
         <p:spPr>
           <a:xfrm>
-            <a:off x="428419" y="9482350"/>
-            <a:ext cx="2455457" cy="523220"/>
+            <a:off x="342901" y="9558089"/>
+            <a:ext cx="24516370" cy="1384995"/>
           </a:xfrm>
           <a:prstGeom prst="rect">
             <a:avLst/>
@@ -3648,23 +3658,32 @@
           <a:lstStyle/>
           <a:p>
             <a:r>
-              <a:rPr lang="en-US" sz="2800" b="1" dirty="0"/>
-              <a:t>S </a:t>
-            </a:r>
-            <a:r>
-              <a:rPr lang="en-US" sz="2800" b="1"/>
-              <a:t>figure 4 </a:t>
-            </a:r>
-            <a:endParaRPr lang="en-HK" sz="2800" b="1" dirty="0"/>
+              <a:rPr lang="en-US" sz="2800" b="1" dirty="0">
+                <a:latin typeface="Calibri" panose="020F0502020204030204" pitchFamily="34" charset="0"/>
+                <a:cs typeface="Calibri" panose="020F0502020204030204" pitchFamily="34" charset="0"/>
+              </a:rPr>
+              <a:t>S figure 4 </a:t>
+            </a:r>
+            <a:r>
+              <a:rPr lang="en-US" sz="2800" dirty="0">
+                <a:latin typeface="Calibri" panose="020F0502020204030204" pitchFamily="34" charset="0"/>
+                <a:cs typeface="Calibri" panose="020F0502020204030204" pitchFamily="34" charset="0"/>
+              </a:rPr>
+              <a:t>Correlation networks of colorectal cancer associated intra-fungi with disease progression. Correlation strengths were estimated by DCGA algorithm. For visualization, significant relationships with a p-value less than 0.05 were kept. Distinct phyla were represented by different colored nodes. The blue and red edges, respectively, represented positive and negative correlations. The correlation strength was indicated by the width of the edge. </a:t>
+            </a:r>
+            <a:endParaRPr lang="en-HK" sz="2800" b="1" dirty="0">
+              <a:latin typeface="Calibri" panose="020F0502020204030204" pitchFamily="34" charset="0"/>
+              <a:cs typeface="Calibri" panose="020F0502020204030204" pitchFamily="34" charset="0"/>
+            </a:endParaRPr>
           </a:p>
         </p:txBody>
       </p:sp>
       <p:grpSp>
         <p:nvGrpSpPr>
-          <p:cNvPr id="48" name="Group 47">
+          <p:cNvPr id="13" name="Group 12">
             <a:extLst>
               <a:ext uri="{FF2B5EF4-FFF2-40B4-BE49-F238E27FC236}">
-                <a16:creationId xmlns:a16="http://schemas.microsoft.com/office/drawing/2014/main" id="{E1AEBDF7-A7C2-4D2F-9935-2B4CCFE4F92C}"/>
+                <a16:creationId xmlns:a16="http://schemas.microsoft.com/office/drawing/2014/main" id="{F435FE64-3CEF-4D07-BAB4-0956FE88ADBF}"/>
               </a:ext>
             </a:extLst>
           </p:cNvPr>
@@ -3673,18 +3692,18 @@
         </p:nvGrpSpPr>
         <p:grpSpPr>
           <a:xfrm>
-            <a:off x="11874518" y="431589"/>
-            <a:ext cx="10885714" cy="7955970"/>
-            <a:chOff x="11874518" y="431589"/>
-            <a:chExt cx="10885714" cy="7955970"/>
+            <a:off x="18115026" y="8196369"/>
+            <a:ext cx="6744245" cy="1265085"/>
+            <a:chOff x="14251113" y="8235009"/>
+            <a:chExt cx="6744245" cy="1265085"/>
           </a:xfrm>
         </p:grpSpPr>
         <p:grpSp>
           <p:nvGrpSpPr>
-            <p:cNvPr id="49" name="Group 48">
+            <p:cNvPr id="10" name="Group 9">
               <a:extLst>
                 <a:ext uri="{FF2B5EF4-FFF2-40B4-BE49-F238E27FC236}">
-                  <a16:creationId xmlns:a16="http://schemas.microsoft.com/office/drawing/2014/main" id="{C9D7CEAF-C698-442D-ADA7-69131E239CC5}"/>
+                  <a16:creationId xmlns:a16="http://schemas.microsoft.com/office/drawing/2014/main" id="{2F46D2DB-F74E-43EC-8C95-652E3E7CF157}"/>
                 </a:ext>
               </a:extLst>
             </p:cNvPr>
@@ -3693,53 +3712,70 @@
           </p:nvGrpSpPr>
           <p:grpSpPr>
             <a:xfrm>
-              <a:off x="11874518" y="512153"/>
-              <a:ext cx="9159846" cy="7875406"/>
-              <a:chOff x="12817854" y="1755886"/>
-              <a:chExt cx="9159846" cy="7875406"/>
+              <a:off x="19035532" y="8235009"/>
+              <a:ext cx="1959826" cy="966504"/>
+              <a:chOff x="19035532" y="8261595"/>
+              <a:chExt cx="1959826" cy="966504"/>
             </a:xfrm>
           </p:grpSpPr>
-          <p:pic>
-            <p:nvPicPr>
-              <p:cNvPr id="52" name="Picture 51">
+          <p:sp>
+            <p:nvSpPr>
+              <p:cNvPr id="26" name="Oval 25">
                 <a:extLst>
                   <a:ext uri="{FF2B5EF4-FFF2-40B4-BE49-F238E27FC236}">
-                    <a16:creationId xmlns:a16="http://schemas.microsoft.com/office/drawing/2014/main" id="{FD4104AF-1812-43B3-BB8C-A15A730BE029}"/>
+                    <a16:creationId xmlns:a16="http://schemas.microsoft.com/office/drawing/2014/main" id="{D428B586-1FC9-4EC2-AB06-12A0730B2C83}"/>
                   </a:ext>
                 </a:extLst>
               </p:cNvPr>
-              <p:cNvPicPr>
-                <a:picLocks noChangeAspect="1"/>
-              </p:cNvPicPr>
+              <p:cNvSpPr/>
               <p:nvPr/>
-            </p:nvPicPr>
-            <p:blipFill rotWithShape="1">
-              <a:blip r:embed="rId5">
-                <a:extLst>
-                  <a:ext uri="{28A0092B-C50C-407E-A947-70E740481C1C}">
-                    <a14:useLocalDpi xmlns:a14="http://schemas.microsoft.com/office/drawing/2010/main" val="0"/>
-                  </a:ext>
-                </a:extLst>
-              </a:blip>
-              <a:srcRect r="15855"/>
-              <a:stretch/>
-            </p:blipFill>
+            </p:nvSpPr>
             <p:spPr>
               <a:xfrm>
-                <a:off x="12817854" y="2197358"/>
-                <a:ext cx="9159846" cy="7433934"/>
+                <a:off x="19035532" y="8308038"/>
+                <a:ext cx="276447" cy="276447"/>
               </a:xfrm>
-              <a:prstGeom prst="rect">
+              <a:prstGeom prst="ellipse">
                 <a:avLst/>
               </a:prstGeom>
+              <a:solidFill>
+                <a:srgbClr val="006666"/>
+              </a:solidFill>
+              <a:ln>
+                <a:noFill/>
+              </a:ln>
             </p:spPr>
-          </p:pic>
+            <p:style>
+              <a:lnRef idx="2">
+                <a:schemeClr val="accent1">
+                  <a:shade val="50000"/>
+                </a:schemeClr>
+              </a:lnRef>
+              <a:fillRef idx="1">
+                <a:schemeClr val="accent1"/>
+              </a:fillRef>
+              <a:effectRef idx="0">
+                <a:schemeClr val="accent1"/>
+              </a:effectRef>
+              <a:fontRef idx="minor">
+                <a:schemeClr val="lt1"/>
+              </a:fontRef>
+            </p:style>
+            <p:txBody>
+              <a:bodyPr rtlCol="0" anchor="ctr"/>
+              <a:lstStyle/>
+              <a:p>
+                <a:pPr algn="ctr"/>
+                <a:endParaRPr lang="zh-CN" altLang="en-US" i="1" dirty="0"/>
+              </a:p>
+            </p:txBody>
+          </p:sp>
           <p:sp>
             <p:nvSpPr>
-              <p:cNvPr id="53" name="TextBox 52">
+              <p:cNvPr id="27" name="TextBox 26">
                 <a:extLst>
                   <a:ext uri="{FF2B5EF4-FFF2-40B4-BE49-F238E27FC236}">
-                    <a16:creationId xmlns:a16="http://schemas.microsoft.com/office/drawing/2014/main" id="{73E37808-EB33-4822-BB6F-5524BDAE615C}"/>
+                    <a16:creationId xmlns:a16="http://schemas.microsoft.com/office/drawing/2014/main" id="{6E73270F-4740-4EF3-8F2F-652244C8F58B}"/>
                   </a:ext>
                 </a:extLst>
               </p:cNvPr>
@@ -3748,8 +3784,8 @@
             </p:nvSpPr>
             <p:spPr>
               <a:xfrm>
-                <a:off x="16702496" y="1755886"/>
-                <a:ext cx="1800494" cy="584775"/>
+                <a:off x="19418388" y="8261595"/>
+                <a:ext cx="1576970" cy="369332"/>
               </a:xfrm>
               <a:prstGeom prst="rect">
                 <a:avLst/>
@@ -3762,24 +3798,1134 @@
               </a:bodyPr>
               <a:lstStyle/>
               <a:p>
+                <a:r>
+                  <a:rPr lang="en-US" altLang="zh-CN" dirty="0"/>
+                  <a:t>Proteobacteria</a:t>
+                </a:r>
+                <a:endParaRPr lang="zh-CN" altLang="en-US" dirty="0"/>
+              </a:p>
+            </p:txBody>
+          </p:sp>
+          <p:sp>
+            <p:nvSpPr>
+              <p:cNvPr id="60" name="Oval 59">
+                <a:extLst>
+                  <a:ext uri="{FF2B5EF4-FFF2-40B4-BE49-F238E27FC236}">
+                    <a16:creationId xmlns:a16="http://schemas.microsoft.com/office/drawing/2014/main" id="{3C92D1DC-92C5-44E7-B73B-6EB280BB2BD2}"/>
+                  </a:ext>
+                </a:extLst>
+              </p:cNvPr>
+              <p:cNvSpPr/>
+              <p:nvPr/>
+            </p:nvSpPr>
+            <p:spPr>
+              <a:xfrm>
+                <a:off x="19035532" y="8905210"/>
+                <a:ext cx="276447" cy="276447"/>
+              </a:xfrm>
+              <a:prstGeom prst="ellipse">
+                <a:avLst/>
+              </a:prstGeom>
+              <a:solidFill>
+                <a:srgbClr val="CCCCCC"/>
+              </a:solidFill>
+              <a:ln>
+                <a:noFill/>
+              </a:ln>
+            </p:spPr>
+            <p:style>
+              <a:lnRef idx="2">
+                <a:schemeClr val="accent1">
+                  <a:shade val="50000"/>
+                </a:schemeClr>
+              </a:lnRef>
+              <a:fillRef idx="1">
+                <a:schemeClr val="accent1"/>
+              </a:fillRef>
+              <a:effectRef idx="0">
+                <a:schemeClr val="accent1"/>
+              </a:effectRef>
+              <a:fontRef idx="minor">
+                <a:schemeClr val="lt1"/>
+              </a:fontRef>
+            </p:style>
+            <p:txBody>
+              <a:bodyPr rtlCol="0" anchor="ctr"/>
+              <a:lstStyle/>
+              <a:p>
                 <a:pPr algn="ctr"/>
+                <a:endParaRPr lang="zh-CN" altLang="en-US" i="1" dirty="0"/>
+              </a:p>
+            </p:txBody>
+          </p:sp>
+          <p:sp>
+            <p:nvSpPr>
+              <p:cNvPr id="61" name="TextBox 60">
+                <a:extLst>
+                  <a:ext uri="{FF2B5EF4-FFF2-40B4-BE49-F238E27FC236}">
+                    <a16:creationId xmlns:a16="http://schemas.microsoft.com/office/drawing/2014/main" id="{8B8D61DC-19CF-46A4-8E54-80728997C675}"/>
+                  </a:ext>
+                </a:extLst>
+              </p:cNvPr>
+              <p:cNvSpPr txBox="1"/>
+              <p:nvPr/>
+            </p:nvSpPr>
+            <p:spPr>
+              <a:xfrm>
+                <a:off x="19418388" y="8858767"/>
+                <a:ext cx="1087862" cy="369332"/>
+              </a:xfrm>
+              <a:prstGeom prst="rect">
+                <a:avLst/>
+              </a:prstGeom>
+              <a:noFill/>
+            </p:spPr>
+            <p:txBody>
+              <a:bodyPr wrap="none" rtlCol="0">
+                <a:spAutoFit/>
+              </a:bodyPr>
+              <a:lstStyle/>
+              <a:p>
                 <a:r>
-                  <a:rPr lang="en-US" altLang="zh-CN" sz="3200" dirty="0">
+                  <a:rPr lang="en-US" altLang="zh-CN" dirty="0"/>
+                  <a:t>Unknown</a:t>
+                </a:r>
+                <a:endParaRPr lang="zh-CN" altLang="en-US" dirty="0"/>
+              </a:p>
+            </p:txBody>
+          </p:sp>
+          <p:sp>
+            <p:nvSpPr>
+              <p:cNvPr id="69" name="Oval 68">
+                <a:extLst>
+                  <a:ext uri="{FF2B5EF4-FFF2-40B4-BE49-F238E27FC236}">
+                    <a16:creationId xmlns:a16="http://schemas.microsoft.com/office/drawing/2014/main" id="{A741A771-FDE9-467D-8637-A91841478484}"/>
+                  </a:ext>
+                </a:extLst>
+              </p:cNvPr>
+              <p:cNvSpPr/>
+              <p:nvPr/>
+            </p:nvSpPr>
+            <p:spPr>
+              <a:xfrm>
+                <a:off x="19035532" y="8606619"/>
+                <a:ext cx="276447" cy="276447"/>
+              </a:xfrm>
+              <a:prstGeom prst="ellipse">
+                <a:avLst/>
+              </a:prstGeom>
+              <a:solidFill>
+                <a:srgbClr val="660066"/>
+              </a:solidFill>
+              <a:ln>
+                <a:noFill/>
+              </a:ln>
+            </p:spPr>
+            <p:style>
+              <a:lnRef idx="2">
+                <a:schemeClr val="accent1">
+                  <a:shade val="50000"/>
+                </a:schemeClr>
+              </a:lnRef>
+              <a:fillRef idx="1">
+                <a:schemeClr val="accent1"/>
+              </a:fillRef>
+              <a:effectRef idx="0">
+                <a:schemeClr val="accent1"/>
+              </a:effectRef>
+              <a:fontRef idx="minor">
+                <a:schemeClr val="lt1"/>
+              </a:fontRef>
+            </p:style>
+            <p:txBody>
+              <a:bodyPr rtlCol="0" anchor="ctr"/>
+              <a:lstStyle/>
+              <a:p>
+                <a:pPr algn="ctr"/>
+                <a:endParaRPr lang="zh-CN" altLang="en-US" i="1" dirty="0"/>
+              </a:p>
+            </p:txBody>
+          </p:sp>
+          <p:sp>
+            <p:nvSpPr>
+              <p:cNvPr id="70" name="TextBox 69">
+                <a:extLst>
+                  <a:ext uri="{FF2B5EF4-FFF2-40B4-BE49-F238E27FC236}">
+                    <a16:creationId xmlns:a16="http://schemas.microsoft.com/office/drawing/2014/main" id="{F9EE1BD6-492B-4E2D-B93D-72876423E3C0}"/>
+                  </a:ext>
+                </a:extLst>
+              </p:cNvPr>
+              <p:cNvSpPr txBox="1"/>
+              <p:nvPr/>
+            </p:nvSpPr>
+            <p:spPr>
+              <a:xfrm>
+                <a:off x="19418388" y="8560176"/>
+                <a:ext cx="1387496" cy="369332"/>
+              </a:xfrm>
+              <a:prstGeom prst="rect">
+                <a:avLst/>
+              </a:prstGeom>
+              <a:noFill/>
+            </p:spPr>
+            <p:txBody>
+              <a:bodyPr wrap="none" rtlCol="0">
+                <a:spAutoFit/>
+              </a:bodyPr>
+              <a:lstStyle/>
+              <a:p>
+                <a:r>
+                  <a:rPr lang="en-US" altLang="zh-CN" dirty="0"/>
+                  <a:t>Spirochaetes</a:t>
+                </a:r>
+                <a:endParaRPr lang="zh-CN" altLang="en-US" dirty="0"/>
+              </a:p>
+            </p:txBody>
+          </p:sp>
+        </p:grpSp>
+        <p:grpSp>
+          <p:nvGrpSpPr>
+            <p:cNvPr id="12" name="Group 11">
+              <a:extLst>
+                <a:ext uri="{FF2B5EF4-FFF2-40B4-BE49-F238E27FC236}">
+                  <a16:creationId xmlns:a16="http://schemas.microsoft.com/office/drawing/2014/main" id="{C0A68B3B-C2F5-499D-BFB6-08DDA2444B2E}"/>
+                </a:ext>
+              </a:extLst>
+            </p:cNvPr>
+            <p:cNvGrpSpPr/>
+            <p:nvPr/>
+          </p:nvGrpSpPr>
+          <p:grpSpPr>
+            <a:xfrm>
+              <a:off x="14251113" y="8235009"/>
+              <a:ext cx="1935589" cy="1265084"/>
+              <a:chOff x="14251113" y="8235009"/>
+              <a:chExt cx="1935589" cy="1265084"/>
+            </a:xfrm>
+          </p:grpSpPr>
+          <p:sp>
+            <p:nvSpPr>
+              <p:cNvPr id="74" name="Oval 73">
+                <a:extLst>
+                  <a:ext uri="{FF2B5EF4-FFF2-40B4-BE49-F238E27FC236}">
+                    <a16:creationId xmlns:a16="http://schemas.microsoft.com/office/drawing/2014/main" id="{0D729405-051A-4141-B3C4-9115B49B45A7}"/>
+                  </a:ext>
+                </a:extLst>
+              </p:cNvPr>
+              <p:cNvSpPr/>
+              <p:nvPr/>
+            </p:nvSpPr>
+            <p:spPr>
+              <a:xfrm>
+                <a:off x="14251113" y="8281452"/>
+                <a:ext cx="276447" cy="276447"/>
+              </a:xfrm>
+              <a:prstGeom prst="ellipse">
+                <a:avLst/>
+              </a:prstGeom>
+              <a:solidFill>
+                <a:srgbClr val="00CCCC"/>
+              </a:solidFill>
+              <a:ln>
+                <a:noFill/>
+              </a:ln>
+            </p:spPr>
+            <p:style>
+              <a:lnRef idx="2">
+                <a:schemeClr val="accent1">
+                  <a:shade val="50000"/>
+                </a:schemeClr>
+              </a:lnRef>
+              <a:fillRef idx="1">
+                <a:schemeClr val="accent1"/>
+              </a:fillRef>
+              <a:effectRef idx="0">
+                <a:schemeClr val="accent1"/>
+              </a:effectRef>
+              <a:fontRef idx="minor">
+                <a:schemeClr val="lt1"/>
+              </a:fontRef>
+            </p:style>
+            <p:txBody>
+              <a:bodyPr rtlCol="0" anchor="ctr"/>
+              <a:lstStyle/>
+              <a:p>
+                <a:pPr algn="ctr"/>
+                <a:endParaRPr lang="zh-CN" altLang="en-US" i="1" dirty="0"/>
+              </a:p>
+            </p:txBody>
+          </p:sp>
+          <p:sp>
+            <p:nvSpPr>
+              <p:cNvPr id="75" name="TextBox 74">
+                <a:extLst>
+                  <a:ext uri="{FF2B5EF4-FFF2-40B4-BE49-F238E27FC236}">
+                    <a16:creationId xmlns:a16="http://schemas.microsoft.com/office/drawing/2014/main" id="{58731C44-0D4A-46FF-9B98-2CD7AAF8058D}"/>
+                  </a:ext>
+                </a:extLst>
+              </p:cNvPr>
+              <p:cNvSpPr txBox="1"/>
+              <p:nvPr/>
+            </p:nvSpPr>
+            <p:spPr>
+              <a:xfrm>
+                <a:off x="14633969" y="8235009"/>
+                <a:ext cx="1552733" cy="369332"/>
+              </a:xfrm>
+              <a:prstGeom prst="rect">
+                <a:avLst/>
+              </a:prstGeom>
+              <a:noFill/>
+            </p:spPr>
+            <p:txBody>
+              <a:bodyPr wrap="none" rtlCol="0">
+                <a:spAutoFit/>
+              </a:bodyPr>
+              <a:lstStyle/>
+              <a:p>
+                <a:r>
+                  <a:rPr lang="en-US" altLang="zh-CN" dirty="0"/>
+                  <a:t>Actinobacteria</a:t>
+                </a:r>
+                <a:endParaRPr lang="zh-CN" altLang="en-US" dirty="0"/>
+              </a:p>
+            </p:txBody>
+          </p:sp>
+          <p:sp>
+            <p:nvSpPr>
+              <p:cNvPr id="76" name="Oval 75">
+                <a:extLst>
+                  <a:ext uri="{FF2B5EF4-FFF2-40B4-BE49-F238E27FC236}">
+                    <a16:creationId xmlns:a16="http://schemas.microsoft.com/office/drawing/2014/main" id="{F3ABD6F5-E0C7-4E69-AE02-6CA6782507BE}"/>
+                  </a:ext>
+                </a:extLst>
+              </p:cNvPr>
+              <p:cNvSpPr/>
+              <p:nvPr/>
+            </p:nvSpPr>
+            <p:spPr>
+              <a:xfrm>
+                <a:off x="14251113" y="9177204"/>
+                <a:ext cx="276447" cy="276447"/>
+              </a:xfrm>
+              <a:prstGeom prst="ellipse">
+                <a:avLst/>
+              </a:prstGeom>
+              <a:solidFill>
+                <a:srgbClr val="999900"/>
+              </a:solidFill>
+              <a:ln>
+                <a:noFill/>
+              </a:ln>
+            </p:spPr>
+            <p:style>
+              <a:lnRef idx="2">
+                <a:schemeClr val="accent1">
+                  <a:shade val="50000"/>
+                </a:schemeClr>
+              </a:lnRef>
+              <a:fillRef idx="1">
+                <a:schemeClr val="accent1"/>
+              </a:fillRef>
+              <a:effectRef idx="0">
+                <a:schemeClr val="accent1"/>
+              </a:effectRef>
+              <a:fontRef idx="minor">
+                <a:schemeClr val="lt1"/>
+              </a:fontRef>
+            </p:style>
+            <p:txBody>
+              <a:bodyPr rtlCol="0" anchor="ctr"/>
+              <a:lstStyle/>
+              <a:p>
+                <a:pPr algn="ctr"/>
+                <a:endParaRPr lang="zh-CN" altLang="en-US" i="1" dirty="0"/>
+              </a:p>
+            </p:txBody>
+          </p:sp>
+          <p:sp>
+            <p:nvSpPr>
+              <p:cNvPr id="77" name="TextBox 76">
+                <a:extLst>
+                  <a:ext uri="{FF2B5EF4-FFF2-40B4-BE49-F238E27FC236}">
+                    <a16:creationId xmlns:a16="http://schemas.microsoft.com/office/drawing/2014/main" id="{5723BA1B-A2CB-4EAB-B955-8435E653E68B}"/>
+                  </a:ext>
+                </a:extLst>
+              </p:cNvPr>
+              <p:cNvSpPr txBox="1"/>
+              <p:nvPr/>
+            </p:nvSpPr>
+            <p:spPr>
+              <a:xfrm>
+                <a:off x="14633969" y="9130761"/>
+                <a:ext cx="1543243" cy="369332"/>
+              </a:xfrm>
+              <a:prstGeom prst="rect">
+                <a:avLst/>
+              </a:prstGeom>
+              <a:noFill/>
+            </p:spPr>
+            <p:txBody>
+              <a:bodyPr wrap="none" rtlCol="0">
+                <a:spAutoFit/>
+              </a:bodyPr>
+              <a:lstStyle/>
+              <a:p>
+                <a:r>
+                  <a:rPr lang="en-US" altLang="zh-CN" dirty="0"/>
+                  <a:t>Basidiomycota</a:t>
+                </a:r>
+                <a:endParaRPr lang="zh-CN" altLang="en-US" dirty="0"/>
+              </a:p>
+            </p:txBody>
+          </p:sp>
+          <p:sp>
+            <p:nvSpPr>
+              <p:cNvPr id="78" name="Oval 77">
+                <a:extLst>
+                  <a:ext uri="{FF2B5EF4-FFF2-40B4-BE49-F238E27FC236}">
+                    <a16:creationId xmlns:a16="http://schemas.microsoft.com/office/drawing/2014/main" id="{0E2D6E8B-3415-4E1F-A511-D60275FC0EA3}"/>
+                  </a:ext>
+                </a:extLst>
+              </p:cNvPr>
+              <p:cNvSpPr/>
+              <p:nvPr/>
+            </p:nvSpPr>
+            <p:spPr>
+              <a:xfrm>
+                <a:off x="14251113" y="8580036"/>
+                <a:ext cx="276447" cy="276447"/>
+              </a:xfrm>
+              <a:prstGeom prst="ellipse">
+                <a:avLst/>
+              </a:prstGeom>
+              <a:solidFill>
+                <a:srgbClr val="009900"/>
+              </a:solidFill>
+              <a:ln>
+                <a:noFill/>
+              </a:ln>
+            </p:spPr>
+            <p:style>
+              <a:lnRef idx="2">
+                <a:schemeClr val="accent1">
+                  <a:shade val="50000"/>
+                </a:schemeClr>
+              </a:lnRef>
+              <a:fillRef idx="1">
+                <a:schemeClr val="accent1"/>
+              </a:fillRef>
+              <a:effectRef idx="0">
+                <a:schemeClr val="accent1"/>
+              </a:effectRef>
+              <a:fontRef idx="minor">
+                <a:schemeClr val="lt1"/>
+              </a:fontRef>
+            </p:style>
+            <p:txBody>
+              <a:bodyPr rtlCol="0" anchor="ctr"/>
+              <a:lstStyle/>
+              <a:p>
+                <a:pPr algn="ctr"/>
+                <a:endParaRPr lang="zh-CN" altLang="en-US" i="1" dirty="0"/>
+              </a:p>
+            </p:txBody>
+          </p:sp>
+          <p:sp>
+            <p:nvSpPr>
+              <p:cNvPr id="79" name="TextBox 78">
+                <a:extLst>
+                  <a:ext uri="{FF2B5EF4-FFF2-40B4-BE49-F238E27FC236}">
+                    <a16:creationId xmlns:a16="http://schemas.microsoft.com/office/drawing/2014/main" id="{D434B455-743C-4D2C-B75B-A85C6D40A1EA}"/>
+                  </a:ext>
+                </a:extLst>
+              </p:cNvPr>
+              <p:cNvSpPr txBox="1"/>
+              <p:nvPr/>
+            </p:nvSpPr>
+            <p:spPr>
+              <a:xfrm>
+                <a:off x="14633969" y="8533593"/>
+                <a:ext cx="1308884" cy="369332"/>
+              </a:xfrm>
+              <a:prstGeom prst="rect">
+                <a:avLst/>
+              </a:prstGeom>
+              <a:noFill/>
+            </p:spPr>
+            <p:txBody>
+              <a:bodyPr wrap="none" rtlCol="0">
+                <a:spAutoFit/>
+              </a:bodyPr>
+              <a:lstStyle/>
+              <a:p>
+                <a:r>
+                  <a:rPr lang="en-US" altLang="zh-CN" dirty="0"/>
+                  <a:t>Ascomycota</a:t>
+                </a:r>
+                <a:endParaRPr lang="zh-CN" altLang="en-US" dirty="0"/>
+              </a:p>
+            </p:txBody>
+          </p:sp>
+          <p:sp>
+            <p:nvSpPr>
+              <p:cNvPr id="80" name="Oval 79">
+                <a:extLst>
+                  <a:ext uri="{FF2B5EF4-FFF2-40B4-BE49-F238E27FC236}">
+                    <a16:creationId xmlns:a16="http://schemas.microsoft.com/office/drawing/2014/main" id="{447EBFDA-CE34-4CBA-B5C9-CD24A36E8706}"/>
+                  </a:ext>
+                </a:extLst>
+              </p:cNvPr>
+              <p:cNvSpPr/>
+              <p:nvPr/>
+            </p:nvSpPr>
+            <p:spPr>
+              <a:xfrm>
+                <a:off x="14251113" y="8878620"/>
+                <a:ext cx="276447" cy="276447"/>
+              </a:xfrm>
+              <a:prstGeom prst="ellipse">
+                <a:avLst/>
+              </a:prstGeom>
+              <a:solidFill>
+                <a:srgbClr val="99FF66"/>
+              </a:solidFill>
+              <a:ln>
+                <a:noFill/>
+              </a:ln>
+            </p:spPr>
+            <p:style>
+              <a:lnRef idx="2">
+                <a:schemeClr val="accent1">
+                  <a:shade val="50000"/>
+                </a:schemeClr>
+              </a:lnRef>
+              <a:fillRef idx="1">
+                <a:schemeClr val="accent1"/>
+              </a:fillRef>
+              <a:effectRef idx="0">
+                <a:schemeClr val="accent1"/>
+              </a:effectRef>
+              <a:fontRef idx="minor">
+                <a:schemeClr val="lt1"/>
+              </a:fontRef>
+            </p:style>
+            <p:txBody>
+              <a:bodyPr rtlCol="0" anchor="ctr"/>
+              <a:lstStyle/>
+              <a:p>
+                <a:pPr algn="ctr"/>
+                <a:endParaRPr lang="zh-CN" altLang="en-US" i="1" dirty="0"/>
+              </a:p>
+            </p:txBody>
+          </p:sp>
+          <p:sp>
+            <p:nvSpPr>
+              <p:cNvPr id="81" name="TextBox 80">
+                <a:extLst>
+                  <a:ext uri="{FF2B5EF4-FFF2-40B4-BE49-F238E27FC236}">
+                    <a16:creationId xmlns:a16="http://schemas.microsoft.com/office/drawing/2014/main" id="{C2E99773-8290-4E2E-9F49-D49A98771EB6}"/>
+                  </a:ext>
+                </a:extLst>
+              </p:cNvPr>
+              <p:cNvSpPr txBox="1"/>
+              <p:nvPr/>
+            </p:nvSpPr>
+            <p:spPr>
+              <a:xfrm>
+                <a:off x="14633969" y="8832177"/>
+                <a:ext cx="1474763" cy="369332"/>
+              </a:xfrm>
+              <a:prstGeom prst="rect">
+                <a:avLst/>
+              </a:prstGeom>
+              <a:noFill/>
+            </p:spPr>
+            <p:txBody>
+              <a:bodyPr wrap="none" rtlCol="0">
+                <a:spAutoFit/>
+              </a:bodyPr>
+              <a:lstStyle/>
+              <a:p>
+                <a:r>
+                  <a:rPr lang="en-US" altLang="zh-CN" dirty="0"/>
+                  <a:t>Bacteroidetes</a:t>
+                </a:r>
+                <a:endParaRPr lang="zh-CN" altLang="en-US" dirty="0"/>
+              </a:p>
+            </p:txBody>
+          </p:sp>
+        </p:grpSp>
+        <p:grpSp>
+          <p:nvGrpSpPr>
+            <p:cNvPr id="11" name="Group 10">
+              <a:extLst>
+                <a:ext uri="{FF2B5EF4-FFF2-40B4-BE49-F238E27FC236}">
+                  <a16:creationId xmlns:a16="http://schemas.microsoft.com/office/drawing/2014/main" id="{FAED4FFE-A2AE-4263-B6A1-A3EA1F7F52BF}"/>
+                </a:ext>
+              </a:extLst>
+            </p:cNvPr>
+            <p:cNvGrpSpPr/>
+            <p:nvPr/>
+          </p:nvGrpSpPr>
+          <p:grpSpPr>
+            <a:xfrm>
+              <a:off x="16618027" y="8235009"/>
+              <a:ext cx="1986180" cy="1265085"/>
+              <a:chOff x="16781789" y="8263872"/>
+              <a:chExt cx="1986180" cy="1265085"/>
+            </a:xfrm>
+          </p:grpSpPr>
+          <p:sp>
+            <p:nvSpPr>
+              <p:cNvPr id="82" name="Oval 81">
+                <a:extLst>
+                  <a:ext uri="{FF2B5EF4-FFF2-40B4-BE49-F238E27FC236}">
+                    <a16:creationId xmlns:a16="http://schemas.microsoft.com/office/drawing/2014/main" id="{D895437E-8BF1-48B5-A8FD-2B274C36EB77}"/>
+                  </a:ext>
+                </a:extLst>
+              </p:cNvPr>
+              <p:cNvSpPr/>
+              <p:nvPr/>
+            </p:nvSpPr>
+            <p:spPr>
+              <a:xfrm>
+                <a:off x="16781789" y="8608899"/>
+                <a:ext cx="276447" cy="276447"/>
+              </a:xfrm>
+              <a:prstGeom prst="ellipse">
+                <a:avLst/>
+              </a:prstGeom>
+              <a:solidFill>
+                <a:srgbClr val="FF99FF"/>
+              </a:solidFill>
+              <a:ln>
+                <a:noFill/>
+              </a:ln>
+            </p:spPr>
+            <p:style>
+              <a:lnRef idx="2">
+                <a:schemeClr val="accent1">
+                  <a:shade val="50000"/>
+                </a:schemeClr>
+              </a:lnRef>
+              <a:fillRef idx="1">
+                <a:schemeClr val="accent1"/>
+              </a:fillRef>
+              <a:effectRef idx="0">
+                <a:schemeClr val="accent1"/>
+              </a:effectRef>
+              <a:fontRef idx="minor">
+                <a:schemeClr val="lt1"/>
+              </a:fontRef>
+            </p:style>
+            <p:txBody>
+              <a:bodyPr rtlCol="0" anchor="ctr"/>
+              <a:lstStyle/>
+              <a:p>
+                <a:pPr algn="ctr"/>
+                <a:endParaRPr lang="zh-CN" altLang="en-US" i="1" dirty="0"/>
+              </a:p>
+            </p:txBody>
+          </p:sp>
+          <p:sp>
+            <p:nvSpPr>
+              <p:cNvPr id="83" name="TextBox 82">
+                <a:extLst>
+                  <a:ext uri="{FF2B5EF4-FFF2-40B4-BE49-F238E27FC236}">
+                    <a16:creationId xmlns:a16="http://schemas.microsoft.com/office/drawing/2014/main" id="{46103E50-6B0B-461E-A7E3-7D75931FF3FA}"/>
+                  </a:ext>
+                </a:extLst>
+              </p:cNvPr>
+              <p:cNvSpPr txBox="1"/>
+              <p:nvPr/>
+            </p:nvSpPr>
+            <p:spPr>
+              <a:xfrm>
+                <a:off x="17164645" y="8562456"/>
+                <a:ext cx="1387624" cy="369332"/>
+              </a:xfrm>
+              <a:prstGeom prst="rect">
+                <a:avLst/>
+              </a:prstGeom>
+              <a:noFill/>
+            </p:spPr>
+            <p:txBody>
+              <a:bodyPr wrap="none" rtlCol="0">
+                <a:spAutoFit/>
+              </a:bodyPr>
+              <a:lstStyle/>
+              <a:p>
+                <a:r>
+                  <a:rPr lang="en-US" altLang="zh-CN" dirty="0"/>
+                  <a:t>Fusobacteria</a:t>
+                </a:r>
+                <a:endParaRPr lang="zh-CN" altLang="en-US" dirty="0"/>
+              </a:p>
+            </p:txBody>
+          </p:sp>
+          <p:sp>
+            <p:nvSpPr>
+              <p:cNvPr id="84" name="Oval 83">
+                <a:extLst>
+                  <a:ext uri="{FF2B5EF4-FFF2-40B4-BE49-F238E27FC236}">
+                    <a16:creationId xmlns:a16="http://schemas.microsoft.com/office/drawing/2014/main" id="{E187A2B2-EDA7-4509-A7DC-B435A9546F48}"/>
+                  </a:ext>
+                </a:extLst>
+              </p:cNvPr>
+              <p:cNvSpPr/>
+              <p:nvPr/>
+            </p:nvSpPr>
+            <p:spPr>
+              <a:xfrm>
+                <a:off x="16781789" y="9206068"/>
+                <a:ext cx="276447" cy="276447"/>
+              </a:xfrm>
+              <a:prstGeom prst="ellipse">
+                <a:avLst/>
+              </a:prstGeom>
+              <a:solidFill>
+                <a:srgbClr val="99FFFF"/>
+              </a:solidFill>
+              <a:ln>
+                <a:noFill/>
+              </a:ln>
+            </p:spPr>
+            <p:style>
+              <a:lnRef idx="2">
+                <a:schemeClr val="accent1">
+                  <a:shade val="50000"/>
+                </a:schemeClr>
+              </a:lnRef>
+              <a:fillRef idx="1">
+                <a:schemeClr val="accent1"/>
+              </a:fillRef>
+              <a:effectRef idx="0">
+                <a:schemeClr val="accent1"/>
+              </a:effectRef>
+              <a:fontRef idx="minor">
+                <a:schemeClr val="lt1"/>
+              </a:fontRef>
+            </p:style>
+            <p:txBody>
+              <a:bodyPr rtlCol="0" anchor="ctr"/>
+              <a:lstStyle/>
+              <a:p>
+                <a:pPr algn="ctr"/>
+                <a:endParaRPr lang="zh-CN" altLang="en-US" i="1" dirty="0"/>
+              </a:p>
+            </p:txBody>
+          </p:sp>
+          <p:sp>
+            <p:nvSpPr>
+              <p:cNvPr id="85" name="TextBox 84">
+                <a:extLst>
+                  <a:ext uri="{FF2B5EF4-FFF2-40B4-BE49-F238E27FC236}">
+                    <a16:creationId xmlns:a16="http://schemas.microsoft.com/office/drawing/2014/main" id="{D1C5AB75-D87A-451A-AE8E-CE5037C487CD}"/>
+                  </a:ext>
+                </a:extLst>
+              </p:cNvPr>
+              <p:cNvSpPr txBox="1"/>
+              <p:nvPr/>
+            </p:nvSpPr>
+            <p:spPr>
+              <a:xfrm>
+                <a:off x="17164645" y="9159625"/>
+                <a:ext cx="1603324" cy="369332"/>
+              </a:xfrm>
+              <a:prstGeom prst="rect">
+                <a:avLst/>
+              </a:prstGeom>
+              <a:noFill/>
+            </p:spPr>
+            <p:txBody>
+              <a:bodyPr wrap="none" rtlCol="0">
+                <a:spAutoFit/>
+              </a:bodyPr>
+              <a:lstStyle/>
+              <a:p>
+                <a:r>
+                  <a:rPr lang="en-US" altLang="zh-CN" dirty="0"/>
+                  <a:t>Mucoromycota</a:t>
+                </a:r>
+                <a:endParaRPr lang="zh-CN" altLang="en-US" dirty="0"/>
+              </a:p>
+            </p:txBody>
+          </p:sp>
+          <p:sp>
+            <p:nvSpPr>
+              <p:cNvPr id="86" name="Oval 85">
+                <a:extLst>
+                  <a:ext uri="{FF2B5EF4-FFF2-40B4-BE49-F238E27FC236}">
+                    <a16:creationId xmlns:a16="http://schemas.microsoft.com/office/drawing/2014/main" id="{BD36F366-019D-4971-BA50-2A67FE39D4BB}"/>
+                  </a:ext>
+                </a:extLst>
+              </p:cNvPr>
+              <p:cNvSpPr/>
+              <p:nvPr/>
+            </p:nvSpPr>
+            <p:spPr>
+              <a:xfrm>
+                <a:off x="16781789" y="8310315"/>
+                <a:ext cx="276447" cy="276447"/>
+              </a:xfrm>
+              <a:prstGeom prst="ellipse">
+                <a:avLst/>
+              </a:prstGeom>
+              <a:solidFill>
+                <a:srgbClr val="FF9999"/>
+              </a:solidFill>
+              <a:ln>
+                <a:noFill/>
+              </a:ln>
+            </p:spPr>
+            <p:style>
+              <a:lnRef idx="2">
+                <a:schemeClr val="accent1">
+                  <a:shade val="50000"/>
+                </a:schemeClr>
+              </a:lnRef>
+              <a:fillRef idx="1">
+                <a:schemeClr val="accent1"/>
+              </a:fillRef>
+              <a:effectRef idx="0">
+                <a:schemeClr val="accent1"/>
+              </a:effectRef>
+              <a:fontRef idx="minor">
+                <a:schemeClr val="lt1"/>
+              </a:fontRef>
+            </p:style>
+            <p:txBody>
+              <a:bodyPr rtlCol="0" anchor="ctr"/>
+              <a:lstStyle/>
+              <a:p>
+                <a:pPr algn="ctr"/>
+                <a:endParaRPr lang="zh-CN" altLang="en-US" i="1" dirty="0"/>
+              </a:p>
+            </p:txBody>
+          </p:sp>
+          <p:sp>
+            <p:nvSpPr>
+              <p:cNvPr id="87" name="TextBox 86">
+                <a:extLst>
+                  <a:ext uri="{FF2B5EF4-FFF2-40B4-BE49-F238E27FC236}">
+                    <a16:creationId xmlns:a16="http://schemas.microsoft.com/office/drawing/2014/main" id="{F9D0EF52-6E4D-4C39-86BA-28DC39E615ED}"/>
+                  </a:ext>
+                </a:extLst>
+              </p:cNvPr>
+              <p:cNvSpPr txBox="1"/>
+              <p:nvPr/>
+            </p:nvSpPr>
+            <p:spPr>
+              <a:xfrm>
+                <a:off x="17164645" y="8263872"/>
+                <a:ext cx="1159998" cy="369332"/>
+              </a:xfrm>
+              <a:prstGeom prst="rect">
+                <a:avLst/>
+              </a:prstGeom>
+              <a:noFill/>
+            </p:spPr>
+            <p:txBody>
+              <a:bodyPr wrap="none" rtlCol="0">
+                <a:spAutoFit/>
+              </a:bodyPr>
+              <a:lstStyle/>
+              <a:p>
+                <a:r>
+                  <a:rPr lang="en-US" altLang="zh-CN" dirty="0"/>
+                  <a:t>Firmicutes</a:t>
+                </a:r>
+                <a:endParaRPr lang="zh-CN" altLang="en-US" dirty="0"/>
+              </a:p>
+            </p:txBody>
+          </p:sp>
+          <p:sp>
+            <p:nvSpPr>
+              <p:cNvPr id="88" name="Oval 87">
+                <a:extLst>
+                  <a:ext uri="{FF2B5EF4-FFF2-40B4-BE49-F238E27FC236}">
+                    <a16:creationId xmlns:a16="http://schemas.microsoft.com/office/drawing/2014/main" id="{3AB11DF4-3B30-4835-AC56-1062262BE5C9}"/>
+                  </a:ext>
+                </a:extLst>
+              </p:cNvPr>
+              <p:cNvSpPr/>
+              <p:nvPr/>
+            </p:nvSpPr>
+            <p:spPr>
+              <a:xfrm>
+                <a:off x="16781789" y="8907484"/>
+                <a:ext cx="276447" cy="276447"/>
+              </a:xfrm>
+              <a:prstGeom prst="ellipse">
+                <a:avLst/>
+              </a:prstGeom>
+              <a:solidFill>
+                <a:srgbClr val="9999FF"/>
+              </a:solidFill>
+              <a:ln>
+                <a:noFill/>
+              </a:ln>
+            </p:spPr>
+            <p:style>
+              <a:lnRef idx="2">
+                <a:schemeClr val="accent1">
+                  <a:shade val="50000"/>
+                </a:schemeClr>
+              </a:lnRef>
+              <a:fillRef idx="1">
+                <a:schemeClr val="accent1"/>
+              </a:fillRef>
+              <a:effectRef idx="0">
+                <a:schemeClr val="accent1"/>
+              </a:effectRef>
+              <a:fontRef idx="minor">
+                <a:schemeClr val="lt1"/>
+              </a:fontRef>
+            </p:style>
+            <p:txBody>
+              <a:bodyPr rtlCol="0" anchor="ctr"/>
+              <a:lstStyle/>
+              <a:p>
+                <a:pPr algn="ctr"/>
+                <a:endParaRPr lang="zh-CN" altLang="en-US" i="1" dirty="0"/>
+              </a:p>
+            </p:txBody>
+          </p:sp>
+          <p:sp>
+            <p:nvSpPr>
+              <p:cNvPr id="89" name="TextBox 88">
+                <a:extLst>
+                  <a:ext uri="{FF2B5EF4-FFF2-40B4-BE49-F238E27FC236}">
+                    <a16:creationId xmlns:a16="http://schemas.microsoft.com/office/drawing/2014/main" id="{3D47C6FC-4176-4D2C-ABCC-B9C492B69850}"/>
+                  </a:ext>
+                </a:extLst>
+              </p:cNvPr>
+              <p:cNvSpPr txBox="1"/>
+              <p:nvPr/>
+            </p:nvSpPr>
+            <p:spPr>
+              <a:xfrm>
+                <a:off x="17164645" y="8861041"/>
+                <a:ext cx="1482585" cy="369332"/>
+              </a:xfrm>
+              <a:prstGeom prst="rect">
+                <a:avLst/>
+              </a:prstGeom>
+              <a:noFill/>
+            </p:spPr>
+            <p:txBody>
+              <a:bodyPr wrap="none" rtlCol="0">
+                <a:spAutoFit/>
+              </a:bodyPr>
+              <a:lstStyle/>
+              <a:p>
+                <a:r>
+                  <a:rPr lang="en-US" altLang="zh-CN" dirty="0"/>
+                  <a:t>Microsporidia</a:t>
+                </a:r>
+                <a:endParaRPr lang="zh-CN" altLang="en-US" dirty="0"/>
+              </a:p>
+            </p:txBody>
+          </p:sp>
+        </p:grpSp>
+      </p:grpSp>
+      <p:grpSp>
+        <p:nvGrpSpPr>
+          <p:cNvPr id="8" name="Group 7">
+            <a:extLst>
+              <a:ext uri="{FF2B5EF4-FFF2-40B4-BE49-F238E27FC236}">
+                <a16:creationId xmlns:a16="http://schemas.microsoft.com/office/drawing/2014/main" id="{2F0449A5-8409-4C27-8D87-33EFFBE8EDDE}"/>
+              </a:ext>
+            </a:extLst>
+          </p:cNvPr>
+          <p:cNvGrpSpPr/>
+          <p:nvPr/>
+        </p:nvGrpSpPr>
+        <p:grpSpPr>
+          <a:xfrm>
+            <a:off x="5825911" y="0"/>
+            <a:ext cx="12378947" cy="8317584"/>
+            <a:chOff x="5825911" y="0"/>
+            <a:chExt cx="12378947" cy="8317584"/>
+          </a:xfrm>
+        </p:grpSpPr>
+        <p:grpSp>
+          <p:nvGrpSpPr>
+            <p:cNvPr id="48" name="Group 47">
+              <a:extLst>
+                <a:ext uri="{FF2B5EF4-FFF2-40B4-BE49-F238E27FC236}">
+                  <a16:creationId xmlns:a16="http://schemas.microsoft.com/office/drawing/2014/main" id="{E1AEBDF7-A7C2-4D2F-9935-2B4CCFE4F92C}"/>
+                </a:ext>
+              </a:extLst>
+            </p:cNvPr>
+            <p:cNvGrpSpPr/>
+            <p:nvPr/>
+          </p:nvGrpSpPr>
+          <p:grpSpPr>
+            <a:xfrm>
+              <a:off x="5825911" y="0"/>
+              <a:ext cx="12378947" cy="8317584"/>
+              <a:chOff x="10115293" y="512153"/>
+              <a:chExt cx="12378947" cy="8317585"/>
+            </a:xfrm>
+          </p:grpSpPr>
+          <p:grpSp>
+            <p:nvGrpSpPr>
+              <p:cNvPr id="49" name="Group 48">
+                <a:extLst>
+                  <a:ext uri="{FF2B5EF4-FFF2-40B4-BE49-F238E27FC236}">
+                    <a16:creationId xmlns:a16="http://schemas.microsoft.com/office/drawing/2014/main" id="{C9D7CEAF-C698-442D-ADA7-69131E239CC5}"/>
+                  </a:ext>
+                </a:extLst>
+              </p:cNvPr>
+              <p:cNvGrpSpPr/>
+              <p:nvPr/>
+            </p:nvGrpSpPr>
+            <p:grpSpPr>
+              <a:xfrm>
+                <a:off x="10115293" y="512153"/>
+                <a:ext cx="10904372" cy="8317585"/>
+                <a:chOff x="11058629" y="1755886"/>
+                <a:chExt cx="10904372" cy="8317585"/>
+              </a:xfrm>
+            </p:grpSpPr>
+            <p:pic>
+              <p:nvPicPr>
+                <p:cNvPr id="52" name="Picture 51">
+                  <a:extLst>
+                    <a:ext uri="{FF2B5EF4-FFF2-40B4-BE49-F238E27FC236}">
+                      <a16:creationId xmlns:a16="http://schemas.microsoft.com/office/drawing/2014/main" id="{FD4104AF-1812-43B3-BB8C-A15A730BE029}"/>
+                    </a:ext>
+                  </a:extLst>
+                </p:cNvPr>
+                <p:cNvPicPr>
+                  <a:picLocks noChangeAspect="1"/>
+                </p:cNvPicPr>
+                <p:nvPr/>
+              </p:nvPicPr>
+              <p:blipFill rotWithShape="1">
+                <a:blip r:embed="rId5">
+                  <a:extLst>
+                    <a:ext uri="{28A0092B-C50C-407E-A947-70E740481C1C}">
+                      <a14:useLocalDpi xmlns:a14="http://schemas.microsoft.com/office/drawing/2010/main" val="0"/>
+                    </a:ext>
+                  </a:extLst>
+                </a:blip>
+                <a:srcRect l="-9067" t="1840" r="6220" b="-569"/>
+                <a:stretch/>
+              </p:blipFill>
+              <p:spPr>
+                <a:xfrm>
+                  <a:off x="11058629" y="2338283"/>
+                  <a:ext cx="10904372" cy="7735188"/>
+                </a:xfrm>
+                <a:prstGeom prst="flowChartManualOperation">
+                  <a:avLst/>
+                </a:prstGeom>
+              </p:spPr>
+            </p:pic>
+            <p:sp>
+              <p:nvSpPr>
+                <p:cNvPr id="53" name="TextBox 52">
+                  <a:extLst>
+                    <a:ext uri="{FF2B5EF4-FFF2-40B4-BE49-F238E27FC236}">
+                      <a16:creationId xmlns:a16="http://schemas.microsoft.com/office/drawing/2014/main" id="{73E37808-EB33-4822-BB6F-5524BDAE615C}"/>
+                    </a:ext>
+                  </a:extLst>
+                </p:cNvPr>
+                <p:cNvSpPr txBox="1"/>
+                <p:nvPr/>
+              </p:nvSpPr>
+              <p:spPr>
+                <a:xfrm>
+                  <a:off x="16702497" y="1755886"/>
+                  <a:ext cx="1800493" cy="584775"/>
+                </a:xfrm>
+                <a:prstGeom prst="rect">
+                  <a:avLst/>
+                </a:prstGeom>
+                <a:noFill/>
+              </p:spPr>
+              <p:txBody>
+                <a:bodyPr wrap="none" rtlCol="0">
+                  <a:spAutoFit/>
+                </a:bodyPr>
+                <a:lstStyle/>
+                <a:p>
+                  <a:pPr algn="ctr"/>
+                  <a:r>
+                    <a:rPr lang="en-US" altLang="zh-CN" sz="3200" dirty="0">
+                      <a:solidFill>
+                        <a:schemeClr val="accent5">
+                          <a:lumMod val="50000"/>
+                        </a:schemeClr>
+                      </a:solidFill>
+                    </a:rPr>
+                    <a:t>Adenoma</a:t>
+                  </a:r>
+                  <a:endParaRPr lang="zh-CN" altLang="en-US" sz="3200" dirty="0">
                     <a:solidFill>
                       <a:schemeClr val="accent5">
                         <a:lumMod val="50000"/>
                       </a:schemeClr>
                     </a:solidFill>
-                  </a:rPr>
-                  <a:t>Adenoma</a:t>
-                </a:r>
-                <a:endParaRPr lang="zh-CN" altLang="en-US" sz="3200" dirty="0">
-                  <a:solidFill>
-                    <a:schemeClr val="accent5">
-                      <a:lumMod val="50000"/>
-                    </a:schemeClr>
-                  </a:solidFill>
-                </a:endParaRPr>
+                  </a:endParaRPr>
+                </a:p>
+              </p:txBody>
+            </p:sp>
+          </p:grpSp>
+          <p:sp>
+            <p:nvSpPr>
+              <p:cNvPr id="51" name="Rectangle 50">
+                <a:extLst>
+                  <a:ext uri="{FF2B5EF4-FFF2-40B4-BE49-F238E27FC236}">
+                    <a16:creationId xmlns:a16="http://schemas.microsoft.com/office/drawing/2014/main" id="{A0AD8FD5-512E-435F-8234-E6778A1AE463}"/>
+                  </a:ext>
+                </a:extLst>
+              </p:cNvPr>
+              <p:cNvSpPr/>
+              <p:nvPr/>
+            </p:nvSpPr>
+            <p:spPr>
+              <a:xfrm>
+                <a:off x="21785580" y="950304"/>
+                <a:ext cx="708660" cy="3134016"/>
+              </a:xfrm>
+              <a:prstGeom prst="rect">
+                <a:avLst/>
+              </a:prstGeom>
+              <a:solidFill>
+                <a:schemeClr val="bg1"/>
+              </a:solidFill>
+              <a:ln>
+                <a:solidFill>
+                  <a:schemeClr val="bg1"/>
+                </a:solidFill>
+              </a:ln>
+            </p:spPr>
+            <p:style>
+              <a:lnRef idx="2">
+                <a:schemeClr val="accent1">
+                  <a:shade val="50000"/>
+                </a:schemeClr>
+              </a:lnRef>
+              <a:fillRef idx="1">
+                <a:schemeClr val="accent1"/>
+              </a:fillRef>
+              <a:effectRef idx="0">
+                <a:schemeClr val="accent1"/>
+              </a:effectRef>
+              <a:fontRef idx="minor">
+                <a:schemeClr val="lt1"/>
+              </a:fontRef>
+            </p:style>
+            <p:txBody>
+              <a:bodyPr rtlCol="0" anchor="ctr"/>
+              <a:lstStyle/>
+              <a:p>
+                <a:pPr algn="ctr"/>
+                <a:endParaRPr lang="en-HK" dirty="0"/>
               </a:p>
             </p:txBody>
           </p:sp>
@@ -3789,7 +4935,7 @@
             <p:cNvPr id="50" name="Picture 49">
               <a:extLst>
                 <a:ext uri="{FF2B5EF4-FFF2-40B4-BE49-F238E27FC236}">
-                  <a16:creationId xmlns:a16="http://schemas.microsoft.com/office/drawing/2014/main" id="{EC6BF208-33D1-4A92-8B8A-C3FCDFA543C0}"/>
+                  <a16:creationId xmlns:a16="http://schemas.microsoft.com/office/drawing/2014/main" id="{B9EF5B94-7981-4438-93B6-A4256EC421DE}"/>
                 </a:ext>
               </a:extLst>
             </p:cNvPr>
@@ -3799,74 +4945,56 @@
             <p:nvPr/>
           </p:nvPicPr>
           <p:blipFill rotWithShape="1">
-            <a:blip r:embed="rId6"/>
-            <a:srcRect l="90113"/>
+            <a:blip r:embed="rId5">
+              <a:extLst>
+                <a:ext uri="{28A0092B-C50C-407E-A947-70E740481C1C}">
+                  <a14:useLocalDpi xmlns:a14="http://schemas.microsoft.com/office/drawing/2010/main" val="0"/>
+                </a:ext>
+              </a:extLst>
+            </a:blip>
+            <a:srcRect l="88173" t="1840" r="2280" b="58073"/>
             <a:stretch/>
           </p:blipFill>
           <p:spPr>
             <a:xfrm>
-              <a:off x="19957793" y="431589"/>
-              <a:ext cx="1076571" cy="7955970"/>
+              <a:off x="14470895" y="2622744"/>
+              <a:ext cx="1012223" cy="3140748"/>
             </a:xfrm>
             <a:prstGeom prst="rect">
               <a:avLst/>
             </a:prstGeom>
           </p:spPr>
         </p:pic>
-        <p:sp>
-          <p:nvSpPr>
-            <p:cNvPr id="51" name="Rectangle 50">
+        <p:pic>
+          <p:nvPicPr>
+            <p:cNvPr id="7" name="Picture 6">
               <a:extLst>
                 <a:ext uri="{FF2B5EF4-FFF2-40B4-BE49-F238E27FC236}">
-                  <a16:creationId xmlns:a16="http://schemas.microsoft.com/office/drawing/2014/main" id="{A0AD8FD5-512E-435F-8234-E6778A1AE463}"/>
+                  <a16:creationId xmlns:a16="http://schemas.microsoft.com/office/drawing/2014/main" id="{CCFACC42-5C5C-400B-88D2-623B29CE5D05}"/>
                 </a:ext>
               </a:extLst>
             </p:cNvPr>
-            <p:cNvSpPr/>
+            <p:cNvPicPr>
+              <a:picLocks noChangeAspect="1"/>
+            </p:cNvPicPr>
             <p:nvPr/>
-          </p:nvSpPr>
+          </p:nvPicPr>
+          <p:blipFill>
+            <a:blip r:embed="rId6"/>
+            <a:stretch>
+              <a:fillRect/>
+            </a:stretch>
+          </p:blipFill>
           <p:spPr>
             <a:xfrm>
-              <a:off x="21785580" y="950304"/>
-              <a:ext cx="974652" cy="3370236"/>
+              <a:off x="16100519" y="395029"/>
+              <a:ext cx="685714" cy="971429"/>
             </a:xfrm>
             <a:prstGeom prst="rect">
               <a:avLst/>
             </a:prstGeom>
-            <a:solidFill>
-              <a:schemeClr val="bg1"/>
-            </a:solidFill>
-            <a:ln>
-              <a:solidFill>
-                <a:schemeClr val="bg1"/>
-              </a:solidFill>
-            </a:ln>
           </p:spPr>
-          <p:style>
-            <a:lnRef idx="2">
-              <a:schemeClr val="accent1">
-                <a:shade val="50000"/>
-              </a:schemeClr>
-            </a:lnRef>
-            <a:fillRef idx="1">
-              <a:schemeClr val="accent1"/>
-            </a:fillRef>
-            <a:effectRef idx="0">
-              <a:schemeClr val="accent1"/>
-            </a:effectRef>
-            <a:fontRef idx="minor">
-              <a:schemeClr val="lt1"/>
-            </a:fontRef>
-          </p:style>
-          <p:txBody>
-            <a:bodyPr rtlCol="0" anchor="ctr"/>
-            <a:lstStyle/>
-            <a:p>
-              <a:pPr algn="ctr"/>
-              <a:endParaRPr lang="en-HK"/>
-            </a:p>
-          </p:txBody>
-        </p:sp>
+        </p:pic>
       </p:grpSp>
     </p:spTree>
     <p:extLst>
